--- a/report/14组-体系结构答辩.pptx
+++ b/report/14组-体系结构答辩.pptx
@@ -18,9 +18,9 @@
     <p:sldId id="310" r:id="rId11"/>
     <p:sldId id="294" r:id="rId12"/>
     <p:sldId id="311" r:id="rId13"/>
-    <p:sldId id="313" r:id="rId14"/>
-    <p:sldId id="312" r:id="rId15"/>
-    <p:sldId id="320" r:id="rId16"/>
+    <p:sldId id="331" r:id="rId14"/>
+    <p:sldId id="332" r:id="rId15"/>
+    <p:sldId id="313" r:id="rId16"/>
     <p:sldId id="315" r:id="rId17"/>
     <p:sldId id="317" r:id="rId18"/>
     <p:sldId id="316" r:id="rId19"/>
@@ -560,6 +560,120 @@
         <p:txBody>
           <a:bodyPr/>
           <a:p>
+            <a:pPr marL="285750" indent="-285750">
+              <a:lnSpc>
+                <a:spcPct val="155000"/>
+              </a:lnSpc>
+              <a:spcBef>
+                <a:spcPts val="0"/>
+              </a:spcBef>
+              <a:spcAft>
+                <a:spcPts val="0"/>
+              </a:spcAft>
+              <a:buFont typeface="Wingdings" panose="05000000000000000000" charset="0"/>
+              <a:buChar char="Ø"/>
+            </a:pPr>
+            <a:r>
+              <a:rPr lang="zh-CN" altLang="en-US">
+                <a:sym typeface="+mn-ea"/>
+              </a:rPr>
+              <a:t>取指阶段：根据译码阶段传输过来的信息判断下一条指令的地址，并将指令地址送入存储器(Sram或者 AXI) 中取指，并将指令送入译码阶段</a:t>
+            </a:r>
+            <a:endParaRPr lang="zh-CN" altLang="en-US"/>
+          </a:p>
+          <a:p>
+            <a:pPr marL="285750" indent="-285750">
+              <a:lnSpc>
+                <a:spcPct val="155000"/>
+              </a:lnSpc>
+              <a:spcBef>
+                <a:spcPts val="0"/>
+              </a:spcBef>
+              <a:spcAft>
+                <a:spcPts val="0"/>
+              </a:spcAft>
+              <a:buFont typeface="Wingdings" panose="05000000000000000000" charset="0"/>
+              <a:buChar char="Ø"/>
+            </a:pPr>
+            <a:r>
+              <a:rPr lang="zh-CN" altLang="en-US">
+                <a:sym typeface="+mn-ea"/>
+              </a:rPr>
+              <a:t>译码阶段：根据取指阶段和指令存储器送入的信息将指令解析成对应的指令信号，并从寄存器堆中取数据，将信号送入执行阶段</a:t>
+            </a:r>
+            <a:endParaRPr lang="zh-CN" altLang="en-US"/>
+          </a:p>
+          <a:p>
+            <a:pPr marL="285750" indent="-285750">
+              <a:lnSpc>
+                <a:spcPct val="155000"/>
+              </a:lnSpc>
+              <a:spcBef>
+                <a:spcPts val="0"/>
+              </a:spcBef>
+              <a:spcAft>
+                <a:spcPts val="0"/>
+              </a:spcAft>
+              <a:buFont typeface="Wingdings" panose="05000000000000000000" charset="0"/>
+              <a:buChar char="Ø"/>
+            </a:pPr>
+            <a:r>
+              <a:rPr lang="zh-CN" altLang="en-US">
+                <a:sym typeface="+mn-ea"/>
+              </a:rPr>
+              <a:t>执行阶段：执行除存储相关的指令，并将信号送入访存阶段</a:t>
+            </a:r>
+            <a:endParaRPr lang="zh-CN" altLang="en-US"/>
+          </a:p>
+          <a:p>
+            <a:pPr marL="285750" indent="-285750">
+              <a:lnSpc>
+                <a:spcPct val="155000"/>
+              </a:lnSpc>
+              <a:spcBef>
+                <a:spcPts val="0"/>
+              </a:spcBef>
+              <a:spcAft>
+                <a:spcPts val="0"/>
+              </a:spcAft>
+              <a:buFont typeface="Wingdings" panose="05000000000000000000" charset="0"/>
+              <a:buChar char="Ø"/>
+            </a:pPr>
+            <a:r>
+              <a:rPr lang="zh-CN" altLang="en-US">
+                <a:sym typeface="+mn-ea"/>
+              </a:rPr>
+              <a:t>访存阶段：在这一阶段将处理读写内存相关的指令，具体为根据不同的指令调整读取和写入的数据信号量，并将其送入数据存储器 (AXI/DSram) 中，在这一段也会进行异常处理，将信息送入 CP0中。</a:t>
+            </a:r>
+            <a:endParaRPr lang="zh-CN" altLang="en-US"/>
+          </a:p>
+          <a:p>
+            <a:pPr marL="285750" indent="-285750">
+              <a:lnSpc>
+                <a:spcPct val="155000"/>
+              </a:lnSpc>
+              <a:spcBef>
+                <a:spcPts val="0"/>
+              </a:spcBef>
+              <a:spcAft>
+                <a:spcPts val="0"/>
+              </a:spcAft>
+              <a:buFont typeface="Wingdings" panose="05000000000000000000" charset="0"/>
+              <a:buChar char="Ø"/>
+            </a:pPr>
+            <a:r>
+              <a:rPr lang="zh-CN" altLang="en-US">
+                <a:sym typeface="+mn-ea"/>
+              </a:rPr>
+              <a:t>写回阶段：在这一阶段将执行写回寄存器的操作。</a:t>
+            </a:r>
+            <a:endParaRPr lang="zh-CN" altLang="en-US">
+              <a:latin typeface="微软雅黑" panose="020B0503020204020204" pitchFamily="34" charset="-122"/>
+              <a:cs typeface="微软雅黑" panose="020B0503020204020204" pitchFamily="34" charset="-122"/>
+              <a:sym typeface="+mn-ea"/>
+            </a:endParaRPr>
+          </a:p>
+          <a:p>
             <a:endParaRPr lang="zh-CN" altLang="en-US"/>
           </a:p>
         </p:txBody>
@@ -604,101 +718,118 @@
         <p:txBody>
           <a:bodyPr/>
           <a:p>
+            <a:pPr marL="285750" indent="-285750">
+              <a:lnSpc>
+                <a:spcPct val="155000"/>
+              </a:lnSpc>
+              <a:spcBef>
+                <a:spcPts val="0"/>
+              </a:spcBef>
+              <a:spcAft>
+                <a:spcPts val="0"/>
+              </a:spcAft>
+              <a:buFont typeface="Wingdings" panose="05000000000000000000" charset="0"/>
+              <a:buChar char="Ø"/>
+            </a:pPr>
             <a:r>
               <a:rPr lang="zh-CN" altLang="en-US">
-                <a:latin typeface="微软雅黑" panose="020B0503020204020204" pitchFamily="34" charset="-122"/>
-                <a:cs typeface="微软雅黑" panose="020B0503020204020204" pitchFamily="34" charset="-122"/>
                 <a:sym typeface="+mn-ea"/>
               </a:rPr>
-              <a:t>分支预测是在流水线取指阶段提前猜测分支指令。我们使用基于 BHT 的方法来实现动态分支预测。</a:t>
+              <a:t>取指阶段：根据译码阶段传输过来的信息判断下一条指令的地址，并将指令地址送入存储器(Sram或者 AXI) 中取指，并将指令送入译码阶段</a:t>
+            </a:r>
+            <a:endParaRPr lang="zh-CN" altLang="en-US"/>
+          </a:p>
+          <a:p>
+            <a:pPr marL="285750" indent="-285750">
+              <a:lnSpc>
+                <a:spcPct val="155000"/>
+              </a:lnSpc>
+              <a:spcBef>
+                <a:spcPts val="0"/>
+              </a:spcBef>
+              <a:spcAft>
+                <a:spcPts val="0"/>
+              </a:spcAft>
+              <a:buFont typeface="Wingdings" panose="05000000000000000000" charset="0"/>
+              <a:buChar char="Ø"/>
+            </a:pPr>
+            <a:r>
+              <a:rPr lang="zh-CN" altLang="en-US">
+                <a:sym typeface="+mn-ea"/>
+              </a:rPr>
+              <a:t>译码阶段：根据取指阶段和指令存储器送入的信息将指令解析成对应的指令信号，并从寄存器堆中取数据，将信号送入执行阶段</a:t>
+            </a:r>
+            <a:endParaRPr lang="zh-CN" altLang="en-US"/>
+          </a:p>
+          <a:p>
+            <a:pPr marL="285750" indent="-285750">
+              <a:lnSpc>
+                <a:spcPct val="155000"/>
+              </a:lnSpc>
+              <a:spcBef>
+                <a:spcPts val="0"/>
+              </a:spcBef>
+              <a:spcAft>
+                <a:spcPts val="0"/>
+              </a:spcAft>
+              <a:buFont typeface="Wingdings" panose="05000000000000000000" charset="0"/>
+              <a:buChar char="Ø"/>
+            </a:pPr>
+            <a:r>
+              <a:rPr lang="zh-CN" altLang="en-US">
+                <a:sym typeface="+mn-ea"/>
+              </a:rPr>
+              <a:t>执行阶段：执行除存储相关的指令，并将信号送入访存阶段</a:t>
+            </a:r>
+            <a:endParaRPr lang="zh-CN" altLang="en-US"/>
+          </a:p>
+          <a:p>
+            <a:pPr marL="285750" indent="-285750">
+              <a:lnSpc>
+                <a:spcPct val="155000"/>
+              </a:lnSpc>
+              <a:spcBef>
+                <a:spcPts val="0"/>
+              </a:spcBef>
+              <a:spcAft>
+                <a:spcPts val="0"/>
+              </a:spcAft>
+              <a:buFont typeface="Wingdings" panose="05000000000000000000" charset="0"/>
+              <a:buChar char="Ø"/>
+            </a:pPr>
+            <a:r>
+              <a:rPr lang="zh-CN" altLang="en-US">
+                <a:sym typeface="+mn-ea"/>
+              </a:rPr>
+              <a:t>访存阶段：在这一阶段将处理读写内存相关的指令，具体为根据不同的指令调整读取和写入的数据信号量，并将其送入数据存储器 (AXI/DSram) 中，在这一段也会进行异常处理，将信息送入 CP0中。</a:t>
+            </a:r>
+            <a:endParaRPr lang="zh-CN" altLang="en-US"/>
+          </a:p>
+          <a:p>
+            <a:pPr marL="285750" indent="-285750">
+              <a:lnSpc>
+                <a:spcPct val="155000"/>
+              </a:lnSpc>
+              <a:spcBef>
+                <a:spcPts val="0"/>
+              </a:spcBef>
+              <a:spcAft>
+                <a:spcPts val="0"/>
+              </a:spcAft>
+              <a:buFont typeface="Wingdings" panose="05000000000000000000" charset="0"/>
+              <a:buChar char="Ø"/>
+            </a:pPr>
+            <a:r>
+              <a:rPr lang="zh-CN" altLang="en-US">
+                <a:sym typeface="+mn-ea"/>
+              </a:rPr>
+              <a:t>写回阶段：在这一阶段将执行写回寄存器的操作。</a:t>
             </a:r>
             <a:endParaRPr lang="zh-CN" altLang="en-US">
               <a:latin typeface="微软雅黑" panose="020B0503020204020204" pitchFamily="34" charset="-122"/>
               <a:cs typeface="微软雅黑" panose="020B0503020204020204" pitchFamily="34" charset="-122"/>
               <a:sym typeface="+mn-ea"/>
             </a:endParaRPr>
-          </a:p>
-          <a:p>
-            <a:r>
-              <a:rPr lang="zh-CN" altLang="en-US">
-                <a:latin typeface="微软雅黑" panose="020B0503020204020204" pitchFamily="34" charset="-122"/>
-                <a:cs typeface="微软雅黑" panose="020B0503020204020204" pitchFamily="34" charset="-122"/>
-                <a:sym typeface="+mn-ea"/>
-              </a:rPr>
-              <a:t>在实现中我们实现了几个</a:t>
-            </a:r>
-            <a:r>
-              <a:rPr lang="zh-CN" altLang="en-US" b="1">
-                <a:latin typeface="微软雅黑" panose="020B0503020204020204" pitchFamily="34" charset="-122"/>
-                <a:cs typeface="微软雅黑" panose="020B0503020204020204" pitchFamily="34" charset="-122"/>
-                <a:sym typeface="+mn-ea"/>
-              </a:rPr>
-              <a:t>存放历史信息的查找表(存放分支指令的类型、跳转信息以及跳转情况)</a:t>
-            </a:r>
-            <a:r>
-              <a:rPr lang="zh-CN" altLang="en-US">
-                <a:latin typeface="微软雅黑" panose="020B0503020204020204" pitchFamily="34" charset="-122"/>
-                <a:cs typeface="微软雅黑" panose="020B0503020204020204" pitchFamily="34" charset="-122"/>
-                <a:sym typeface="+mn-ea"/>
-              </a:rPr>
-              <a:t>。</a:t>
-            </a:r>
-            <a:endParaRPr lang="zh-CN" altLang="en-US">
-              <a:latin typeface="微软雅黑" panose="020B0503020204020204" pitchFamily="34" charset="-122"/>
-              <a:cs typeface="微软雅黑" panose="020B0503020204020204" pitchFamily="34" charset="-122"/>
-              <a:sym typeface="+mn-ea"/>
-            </a:endParaRPr>
-          </a:p>
-          <a:p>
-            <a:r>
-              <a:rPr lang="zh-CN" altLang="en-US">
-                <a:latin typeface="微软雅黑" panose="020B0503020204020204" pitchFamily="34" charset="-122"/>
-                <a:cs typeface="微软雅黑" panose="020B0503020204020204" pitchFamily="34" charset="-122"/>
-                <a:sym typeface="+mn-ea"/>
-              </a:rPr>
-              <a:t>因为程序中分支指令不多，我们决定采用直接映射的 Cache 存放分支信息，这样可以将 PC 直接作为索引，简化逻辑也确保存入查找表的是分支指令（因为用到 Cache 后期会继续调试和完善，先完成了查找表等基础部分代码）。</a:t>
-            </a:r>
-            <a:endParaRPr lang="zh-CN" altLang="en-US">
-              <a:latin typeface="微软雅黑" panose="020B0503020204020204" pitchFamily="34" charset="-122"/>
-              <a:cs typeface="微软雅黑" panose="020B0503020204020204" pitchFamily="34" charset="-122"/>
-              <a:sym typeface="+mn-ea"/>
-            </a:endParaRPr>
-          </a:p>
-          <a:p>
-            <a:r>
-              <a:rPr lang="zh-CN" altLang="en-US">
-                <a:latin typeface="微软雅黑" panose="020B0503020204020204" pitchFamily="34" charset="-122"/>
-                <a:cs typeface="微软雅黑" panose="020B0503020204020204" pitchFamily="34" charset="-122"/>
-                <a:sym typeface="+mn-ea"/>
-              </a:rPr>
-              <a:t>对于循环类型的分支结构（通常出现在 BEQ、BNE 等指令），采用缓存直接存储近期出现的分支跳转指令和分支指令类型，这些信息由执行阶段提供。</a:t>
-            </a:r>
-            <a:endParaRPr lang="zh-CN" altLang="en-US">
-              <a:latin typeface="微软雅黑" panose="020B0503020204020204" pitchFamily="34" charset="-122"/>
-              <a:cs typeface="微软雅黑" panose="020B0503020204020204" pitchFamily="34" charset="-122"/>
-              <a:sym typeface="+mn-ea"/>
-            </a:endParaRPr>
-          </a:p>
-          <a:p>
-            <a:r>
-              <a:rPr lang="zh-CN" altLang="en-US">
-                <a:latin typeface="微软雅黑" panose="020B0503020204020204" pitchFamily="34" charset="-122"/>
-                <a:cs typeface="微软雅黑" panose="020B0503020204020204" pitchFamily="34" charset="-122"/>
-                <a:sym typeface="+mn-ea"/>
-              </a:rPr>
-              <a:t>对于调用类型的分支预测，预测期中实现了一个返回地址栈。此时， JAL 指令继续采用缓存预测跳转地址，因为缓存中存放了跳转类型，那么在对 JAL 指令进行预测后可以将其对应的 PC + 8 后压入栈，再遇到 JR 指令时直接从栈中获取跳转地址。</a:t>
-            </a:r>
-            <a:endParaRPr lang="zh-CN" altLang="en-US">
-              <a:latin typeface="微软雅黑" panose="020B0503020204020204" pitchFamily="34" charset="-122"/>
-              <a:cs typeface="微软雅黑" panose="020B0503020204020204" pitchFamily="34" charset="-122"/>
-              <a:sym typeface="+mn-ea"/>
-            </a:endParaRPr>
-          </a:p>
-          <a:p>
-            <a:endParaRPr lang="zh-CN" altLang="en-US"/>
-          </a:p>
-          <a:p>
-            <a:endParaRPr lang="zh-CN" altLang="en-US"/>
           </a:p>
           <a:p>
             <a:endParaRPr lang="zh-CN" altLang="en-US"/>
@@ -745,24 +876,120 @@
         <p:txBody>
           <a:bodyPr/>
           <a:p>
-            <a:r>
-              <a:rPr lang="zh-CN" altLang="en-US"/>
-              <a:t>MIPS 中的异常是“精确异常”。对于实现 “精确异常” 的处理器，若有一条发生异常的</a:t>
-            </a:r>
-            <a:r>
-              <a:rPr lang="zh-CN" altLang="en-US"/>
-              <a:t>指令，则在这条指令之前的指令都要正常执行，而这条指令之后的指令都将被取消。为了实现 “精确异常”，在流水线上执行的指令若发生了异常，并不会立即处理它，而是把它记录下来，送到一个指定的阶段统一处理。在我们的处理器中，每条指令发生的异常都会在 MEM 阶段统一处理。</a:t>
+            <a:pPr marL="285750" indent="-285750">
+              <a:lnSpc>
+                <a:spcPct val="155000"/>
+              </a:lnSpc>
+              <a:spcBef>
+                <a:spcPts val="0"/>
+              </a:spcBef>
+              <a:spcAft>
+                <a:spcPts val="0"/>
+              </a:spcAft>
+              <a:buFont typeface="Wingdings" panose="05000000000000000000" charset="0"/>
+              <a:buChar char="Ø"/>
+            </a:pPr>
+            <a:r>
+              <a:rPr lang="zh-CN" altLang="en-US">
+                <a:sym typeface="+mn-ea"/>
+              </a:rPr>
+              <a:t>取指阶段：根据译码阶段传输过来的信息判断下一条指令的地址，并将指令地址送入存储器(Sram或者 AXI) 中取指，并将指令送入译码阶段</a:t>
             </a:r>
             <a:endParaRPr lang="zh-CN" altLang="en-US"/>
           </a:p>
           <a:p>
+            <a:pPr marL="285750" indent="-285750">
+              <a:lnSpc>
+                <a:spcPct val="155000"/>
+              </a:lnSpc>
+              <a:spcBef>
+                <a:spcPts val="0"/>
+              </a:spcBef>
+              <a:spcAft>
+                <a:spcPts val="0"/>
+              </a:spcAft>
+              <a:buFont typeface="Wingdings" panose="05000000000000000000" charset="0"/>
+              <a:buChar char="Ø"/>
+            </a:pPr>
+            <a:r>
+              <a:rPr lang="zh-CN" altLang="en-US">
+                <a:sym typeface="+mn-ea"/>
+              </a:rPr>
+              <a:t>译码阶段：根据取指阶段和指令存储器送入的信息将指令解析成对应的指令信号，并从寄存器堆中取数据，将信号送入执行阶段</a:t>
+            </a:r>
             <a:endParaRPr lang="zh-CN" altLang="en-US"/>
           </a:p>
           <a:p>
-            <a:r>
-              <a:rPr lang="zh-CN" altLang="en-US"/>
-              <a:t>访存阶段检测到异常后，将按照优先级顺序向 CP0 寄存器报告异常类型，并向流水线控制部件告知发生了异常。MEM 及前面流水段的指令将全部清除，异常基地址将被送入 PC 寄存器， Cause 寄存器记录异常编号以及是不是延迟槽指令发生异常，Status 寄存器的 EXL 位置1，表示进入异常处理阶段。这时，中断被屏蔽，即不会处理外部中断。对于地址错类型的一场，除了执行上述操作，还会将错误的地址写入 BadVAddr 寄存器。中断处理例程完成后，一般会执行异常返回指令。在我们的处理器中，异常返回被视为一种特殊的异常，处理机制类似于其他异常，只不过处理过程中送入 PC 寄存器的是 EPC 寄存器 的值，Status 寄存器的 EXL 位置0，表示异常处理完成，Status 寄存器的其他位以及其他 CP0 寄存器不会做任何修改。</a:t>
-            </a:r>
+            <a:pPr marL="285750" indent="-285750">
+              <a:lnSpc>
+                <a:spcPct val="155000"/>
+              </a:lnSpc>
+              <a:spcBef>
+                <a:spcPts val="0"/>
+              </a:spcBef>
+              <a:spcAft>
+                <a:spcPts val="0"/>
+              </a:spcAft>
+              <a:buFont typeface="Wingdings" panose="05000000000000000000" charset="0"/>
+              <a:buChar char="Ø"/>
+            </a:pPr>
+            <a:r>
+              <a:rPr lang="zh-CN" altLang="en-US">
+                <a:sym typeface="+mn-ea"/>
+              </a:rPr>
+              <a:t>执行阶段：执行除存储相关的指令，并将信号送入访存阶段</a:t>
+            </a:r>
+            <a:endParaRPr lang="zh-CN" altLang="en-US"/>
+          </a:p>
+          <a:p>
+            <a:pPr marL="285750" indent="-285750">
+              <a:lnSpc>
+                <a:spcPct val="155000"/>
+              </a:lnSpc>
+              <a:spcBef>
+                <a:spcPts val="0"/>
+              </a:spcBef>
+              <a:spcAft>
+                <a:spcPts val="0"/>
+              </a:spcAft>
+              <a:buFont typeface="Wingdings" panose="05000000000000000000" charset="0"/>
+              <a:buChar char="Ø"/>
+            </a:pPr>
+            <a:r>
+              <a:rPr lang="zh-CN" altLang="en-US">
+                <a:sym typeface="+mn-ea"/>
+              </a:rPr>
+              <a:t>访存阶段：在这一阶段将处理读写内存相关的指令，具体为根据不同的指令调整读取和写入的数据信号量，并将其送入数据存储器 (AXI/DSram) 中，在这一段也会进行异常处理，将信息送入 CP0中。</a:t>
+            </a:r>
+            <a:endParaRPr lang="zh-CN" altLang="en-US"/>
+          </a:p>
+          <a:p>
+            <a:pPr marL="285750" indent="-285750">
+              <a:lnSpc>
+                <a:spcPct val="155000"/>
+              </a:lnSpc>
+              <a:spcBef>
+                <a:spcPts val="0"/>
+              </a:spcBef>
+              <a:spcAft>
+                <a:spcPts val="0"/>
+              </a:spcAft>
+              <a:buFont typeface="Wingdings" panose="05000000000000000000" charset="0"/>
+              <a:buChar char="Ø"/>
+            </a:pPr>
+            <a:r>
+              <a:rPr lang="zh-CN" altLang="en-US">
+                <a:sym typeface="+mn-ea"/>
+              </a:rPr>
+              <a:t>写回阶段：在这一阶段将执行写回寄存器的操作。</a:t>
+            </a:r>
+            <a:endParaRPr lang="zh-CN" altLang="en-US">
+              <a:latin typeface="微软雅黑" panose="020B0503020204020204" pitchFamily="34" charset="-122"/>
+              <a:cs typeface="微软雅黑" panose="020B0503020204020204" pitchFamily="34" charset="-122"/>
+              <a:sym typeface="+mn-ea"/>
+            </a:endParaRPr>
+          </a:p>
+          <a:p>
             <a:endParaRPr lang="zh-CN" altLang="en-US"/>
           </a:p>
         </p:txBody>
@@ -808,23 +1035,102 @@
           <a:bodyPr/>
           <a:p>
             <a:r>
-              <a:rPr lang="zh-CN" altLang="en-US"/>
-              <a:t>MIPS 中的异常是“精确异常”。对于实现 “精确异常” 的处理器，若有一条发生异常的</a:t>
-            </a:r>
-            <a:r>
-              <a:rPr lang="zh-CN" altLang="en-US"/>
-              <a:t>指令，则在这条指令之前的指令都要正常执行，而这条指令之后的指令都将被取消。为了实现 “精确异常”，在流水线上执行的指令若发生了异常，并不会立即处理它，而是把它记录下来，送到一个指定的阶段统一处理。在我们的处理器中，每条指令发生的异常都会在 MEM 阶段统一处理。</a:t>
-            </a:r>
+              <a:rPr lang="zh-CN" altLang="en-US">
+                <a:latin typeface="微软雅黑" panose="020B0503020204020204" pitchFamily="34" charset="-122"/>
+                <a:cs typeface="微软雅黑" panose="020B0503020204020204" pitchFamily="34" charset="-122"/>
+                <a:sym typeface="+mn-ea"/>
+              </a:rPr>
+              <a:t>分支预测是在流水线取指阶段提前猜测分支指令。我们使用基于 BHT 的方法来实现动态分支预测。</a:t>
+            </a:r>
+            <a:endParaRPr lang="zh-CN" altLang="en-US">
+              <a:latin typeface="微软雅黑" panose="020B0503020204020204" pitchFamily="34" charset="-122"/>
+              <a:cs typeface="微软雅黑" panose="020B0503020204020204" pitchFamily="34" charset="-122"/>
+              <a:sym typeface="+mn-ea"/>
+            </a:endParaRPr>
+          </a:p>
+          <a:p>
+            <a:r>
+              <a:rPr lang="zh-CN" altLang="en-US">
+                <a:latin typeface="微软雅黑" panose="020B0503020204020204" pitchFamily="34" charset="-122"/>
+                <a:cs typeface="微软雅黑" panose="020B0503020204020204" pitchFamily="34" charset="-122"/>
+                <a:sym typeface="+mn-ea"/>
+              </a:rPr>
+              <a:t>在实现中我们实现了几个</a:t>
+            </a:r>
+            <a:r>
+              <a:rPr lang="zh-CN" altLang="en-US" b="1">
+                <a:latin typeface="微软雅黑" panose="020B0503020204020204" pitchFamily="34" charset="-122"/>
+                <a:cs typeface="微软雅黑" panose="020B0503020204020204" pitchFamily="34" charset="-122"/>
+                <a:sym typeface="+mn-ea"/>
+              </a:rPr>
+              <a:t>存放历史信息的查找表(存放分支指令的类型、跳转信息以及跳转情况)</a:t>
+            </a:r>
+            <a:r>
+              <a:rPr lang="zh-CN" altLang="en-US">
+                <a:latin typeface="微软雅黑" panose="020B0503020204020204" pitchFamily="34" charset="-122"/>
+                <a:cs typeface="微软雅黑" panose="020B0503020204020204" pitchFamily="34" charset="-122"/>
+                <a:sym typeface="+mn-ea"/>
+              </a:rPr>
+              <a:t>。</a:t>
+            </a:r>
+            <a:endParaRPr lang="zh-CN" altLang="en-US">
+              <a:latin typeface="微软雅黑" panose="020B0503020204020204" pitchFamily="34" charset="-122"/>
+              <a:cs typeface="微软雅黑" panose="020B0503020204020204" pitchFamily="34" charset="-122"/>
+              <a:sym typeface="+mn-ea"/>
+            </a:endParaRPr>
+          </a:p>
+          <a:p>
+            <a:r>
+              <a:rPr lang="zh-CN" altLang="en-US">
+                <a:latin typeface="微软雅黑" panose="020B0503020204020204" pitchFamily="34" charset="-122"/>
+                <a:cs typeface="微软雅黑" panose="020B0503020204020204" pitchFamily="34" charset="-122"/>
+                <a:sym typeface="+mn-ea"/>
+              </a:rPr>
+              <a:t>因为程序中分支指令不多，我们决定采用直接映射的 Cache 存放分支信息，这样可以将 PC 直接作为索引，简化逻辑也确保存入查找表的是分支指令（因为用到 Cache 后期会继续调试和完善，先完成了查找表等基础部分代码）。</a:t>
+            </a:r>
+            <a:endParaRPr lang="zh-CN" altLang="en-US">
+              <a:latin typeface="微软雅黑" panose="020B0503020204020204" pitchFamily="34" charset="-122"/>
+              <a:cs typeface="微软雅黑" panose="020B0503020204020204" pitchFamily="34" charset="-122"/>
+              <a:sym typeface="+mn-ea"/>
+            </a:endParaRPr>
+          </a:p>
+          <a:p>
+            <a:r>
+              <a:rPr lang="zh-CN" altLang="en-US">
+                <a:latin typeface="微软雅黑" panose="020B0503020204020204" pitchFamily="34" charset="-122"/>
+                <a:cs typeface="微软雅黑" panose="020B0503020204020204" pitchFamily="34" charset="-122"/>
+                <a:sym typeface="+mn-ea"/>
+              </a:rPr>
+              <a:t>对于循环类型的分支结构（通常出现在 BEQ、BNE 等指令），采用缓存直接存储近期出现的分支跳转指令和分支指令类型，这些信息由执行阶段提供。</a:t>
+            </a:r>
+            <a:endParaRPr lang="zh-CN" altLang="en-US">
+              <a:latin typeface="微软雅黑" panose="020B0503020204020204" pitchFamily="34" charset="-122"/>
+              <a:cs typeface="微软雅黑" panose="020B0503020204020204" pitchFamily="34" charset="-122"/>
+              <a:sym typeface="+mn-ea"/>
+            </a:endParaRPr>
+          </a:p>
+          <a:p>
+            <a:r>
+              <a:rPr lang="zh-CN" altLang="en-US">
+                <a:latin typeface="微软雅黑" panose="020B0503020204020204" pitchFamily="34" charset="-122"/>
+                <a:cs typeface="微软雅黑" panose="020B0503020204020204" pitchFamily="34" charset="-122"/>
+                <a:sym typeface="+mn-ea"/>
+              </a:rPr>
+              <a:t>对于调用类型的分支预测，预测期中实现了一个返回地址栈。此时， JAL 指令继续采用缓存预测跳转地址，因为缓存中存放了跳转类型，那么在对 JAL 指令进行预测后可以将其对应的 PC + 8 后压入栈，再遇到 JR 指令时直接从栈中获取跳转地址。</a:t>
+            </a:r>
+            <a:endParaRPr lang="zh-CN" altLang="en-US">
+              <a:latin typeface="微软雅黑" panose="020B0503020204020204" pitchFamily="34" charset="-122"/>
+              <a:cs typeface="微软雅黑" panose="020B0503020204020204" pitchFamily="34" charset="-122"/>
+              <a:sym typeface="+mn-ea"/>
+            </a:endParaRPr>
+          </a:p>
+          <a:p>
             <a:endParaRPr lang="zh-CN" altLang="en-US"/>
           </a:p>
           <a:p>
             <a:endParaRPr lang="zh-CN" altLang="en-US"/>
           </a:p>
           <a:p>
-            <a:r>
-              <a:rPr lang="zh-CN" altLang="en-US"/>
-              <a:t>访存阶段检测到异常后，将按照优先级顺序向 CP0 寄存器报告异常类型，并向流水线控制部件告知发生了异常。MEM 及前面流水段的指令将全部清除，异常基地址将被送入 PC 寄存器， Cause 寄存器记录异常编号以及是不是延迟槽指令发生异常，Status 寄存器的 EXL 位置1，表示进入异常处理阶段。这时，中断被屏蔽，即不会处理外部中断。对于地址错类型的一场，除了执行上述操作，还会将错误的地址写入 BadVAddr 寄存器。中断处理例程完成后，一般会执行异常返回指令。在我们的处理器中，异常返回被视为一种特殊的异常，处理机制类似于其他异常，只不过处理过程中送入 PC 寄存器的是 EPC 寄存器 的值，Status 寄存器的 EXL 位置0，表示异常处理完成，Status 寄存器的其他位以及其他 CP0 寄存器不会做任何修改。</a:t>
-            </a:r>
             <a:endParaRPr lang="zh-CN" altLang="en-US"/>
           </a:p>
         </p:txBody>
@@ -868,6 +1174,27 @@
         <p:spPr/>
         <p:txBody>
           <a:bodyPr/>
+          <a:p>
+            <a:r>
+              <a:rPr lang="zh-CN" altLang="en-US">
+                <a:sym typeface="+mn-ea"/>
+              </a:rPr>
+              <a:t>MIPS 中的异常是“精确异常”。对于实现 “精确异常” 的处理器，若有一条发生异常的指令，则在这条指令之前的指令都要正常执行，而这条指令之后的指令都将被取消。为了实现 “精确异常”，在流水线上执行的指令若发生了异常，并不会立即处理它，而是把它记录下来，送到一个指定的阶段统一处理。在我们的处理器中，每条指令发生的异常都会在 MEM 阶段统一处理。</a:t>
+            </a:r>
+            <a:endParaRPr lang="zh-CN" altLang="en-US"/>
+          </a:p>
+          <a:p>
+            <a:endParaRPr lang="zh-CN" altLang="en-US"/>
+          </a:p>
+          <a:p>
+            <a:r>
+              <a:rPr lang="zh-CN" altLang="en-US">
+                <a:sym typeface="+mn-ea"/>
+              </a:rPr>
+              <a:t>访存阶段检测到异常后，将按照优先级顺序向 CP0 寄存器报告异常类型，并向流水线控制部件告知发生了异常。MEM 及前面流水段的指令将全部清除，异常基地址将被送入 PC 寄存器， Cause 寄存器记录异常编号以及是不是延迟槽指令发生异常，Status 寄存器的 EXL 位置1，表示进入异常处理阶段。这时，中断被屏蔽，即不会处理外部中断。对于地址错类型的一场，除了执行上述操作，还会将错误的地址写入 BadVAddr 寄存器。中断处理例程完成后，一般会执行异常返回指令。在我们的处理器中，异常返回被视为一种特殊的异常，处理机制类似于其他异常，只不过处理过程中送入 PC 寄存器的是 EPC 寄存器 的值，Status 寄存器的 EXL 位置0，表示异常处理完成，Status 寄存器的其他位以及其他 CP0 寄存器不会做任何修改。</a:t>
+            </a:r>
+            <a:endParaRPr lang="zh-CN" altLang="en-US"/>
+          </a:p>
           <a:p>
             <a:endParaRPr lang="zh-CN" altLang="en-US"/>
           </a:p>
@@ -5132,7 +5459,7 @@
                 <a:ea typeface="微软雅黑" panose="020B0503020204020204" pitchFamily="34" charset="-122"/>
                 <a:cs typeface="Times New Roman" panose="02020603050405020304" pitchFamily="18" charset="0"/>
               </a:rPr>
-              <a:t>2021.12.24</a:t>
+              <a:t>2021.12.23</a:t>
             </a:r>
             <a:endParaRPr lang="en-US" altLang="zh-CN" sz="2800" dirty="0" smtClean="0">
               <a:latin typeface="微软雅黑" panose="020B0503020204020204" pitchFamily="34" charset="-122"/>
@@ -5787,162 +6114,60 @@
           </a:p>
         </p:txBody>
       </p:sp>
-      <p:sp>
-        <p:nvSpPr>
-          <p:cNvPr id="9" name="圆角矩形 8"/>
-          <p:cNvSpPr/>
+      <p:pic>
+        <p:nvPicPr>
+          <p:cNvPr id="4" name="图片 3" descr="取指阶段"/>
+          <p:cNvPicPr>
+            <a:picLocks noChangeAspect="1"/>
+          </p:cNvPicPr>
           <p:nvPr/>
-        </p:nvSpPr>
+        </p:nvPicPr>
+        <p:blipFill>
+          <a:blip r:embed="rId3"/>
+          <a:srcRect t="10115" b="7092"/>
+          <a:stretch>
+            <a:fillRect/>
+          </a:stretch>
+        </p:blipFill>
         <p:spPr>
           <a:xfrm>
-            <a:off x="544830" y="1534795"/>
-            <a:ext cx="10983595" cy="4758055"/>
+            <a:off x="627380" y="1205230"/>
+            <a:ext cx="11055350" cy="4638675"/>
           </a:xfrm>
-          <a:prstGeom prst="roundRect">
+          <a:prstGeom prst="rect">
             <a:avLst/>
           </a:prstGeom>
-          <a:solidFill>
-            <a:schemeClr val="bg1">
-              <a:lumMod val="95000"/>
-            </a:schemeClr>
-          </a:solidFill>
-          <a:ln w="28575" cmpd="sng">
-            <a:solidFill>
-              <a:srgbClr val="071651"/>
-            </a:solidFill>
-            <a:prstDash val="dash"/>
-          </a:ln>
-          <a:effectLst/>
         </p:spPr>
-        <p:style>
-          <a:lnRef idx="2">
-            <a:schemeClr val="accent6"/>
-          </a:lnRef>
-          <a:fillRef idx="1">
-            <a:schemeClr val="lt1"/>
-          </a:fillRef>
-          <a:effectRef idx="0">
-            <a:schemeClr val="accent6"/>
-          </a:effectRef>
-          <a:fontRef idx="minor">
-            <a:schemeClr val="dk1"/>
-          </a:fontRef>
-        </p:style>
+      </p:pic>
+      <p:sp>
+        <p:nvSpPr>
+          <p:cNvPr id="6" name="文本框 5"/>
+          <p:cNvSpPr txBox="1"/>
+          <p:nvPr/>
+        </p:nvSpPr>
+        <p:spPr>
+          <a:xfrm>
+            <a:off x="685800" y="5781675"/>
+            <a:ext cx="10959465" cy="368300"/>
+          </a:xfrm>
+          <a:prstGeom prst="rect">
+            <a:avLst/>
+          </a:prstGeom>
+          <a:noFill/>
+        </p:spPr>
         <p:txBody>
-          <a:bodyPr rtlCol="0" anchor="ctr"/>
-          <a:p>
-            <a:pPr marL="285750" indent="-285750">
-              <a:lnSpc>
-                <a:spcPct val="155000"/>
-              </a:lnSpc>
-              <a:spcBef>
-                <a:spcPts val="0"/>
-              </a:spcBef>
-              <a:spcAft>
-                <a:spcPts val="0"/>
-              </a:spcAft>
-              <a:buFont typeface="Wingdings" panose="05000000000000000000" charset="0"/>
-              <a:buChar char="Ø"/>
-            </a:pPr>
-            <a:r>
-              <a:rPr lang="zh-CN" altLang="en-US" sz="2000">
+          <a:bodyPr wrap="square" rtlCol="0">
+            <a:spAutoFit/>
+          </a:bodyPr>
+          <a:p>
+            <a:pPr algn="ctr"/>
+            <a:r>
+              <a:rPr lang="zh-CN" altLang="en-US">
                 <a:sym typeface="+mn-ea"/>
               </a:rPr>
-              <a:t>取指阶段：根据译码阶段传输过来的信息判断下一条指令的地址，并将指令地址送入存储器(Sram或者 AXI) 中取指，并将指令送入译码阶段</a:t>
-            </a:r>
-            <a:endParaRPr lang="zh-CN" altLang="en-US" sz="2000"/>
-          </a:p>
-          <a:p>
-            <a:pPr marL="285750" indent="-285750">
-              <a:lnSpc>
-                <a:spcPct val="155000"/>
-              </a:lnSpc>
-              <a:spcBef>
-                <a:spcPts val="0"/>
-              </a:spcBef>
-              <a:spcAft>
-                <a:spcPts val="0"/>
-              </a:spcAft>
-              <a:buFont typeface="Wingdings" panose="05000000000000000000" charset="0"/>
-              <a:buChar char="Ø"/>
-            </a:pPr>
-            <a:r>
-              <a:rPr lang="zh-CN" altLang="en-US" sz="2000">
-                <a:sym typeface="+mn-ea"/>
-              </a:rPr>
-              <a:t>译码阶段：根据取指阶段和指令存储器送入的信息将指令解析成对应的指令信号，并从寄存器堆中取数据，将信号送入执行阶段</a:t>
-            </a:r>
-            <a:endParaRPr lang="zh-CN" altLang="en-US" sz="2000"/>
-          </a:p>
-          <a:p>
-            <a:pPr marL="285750" indent="-285750">
-              <a:lnSpc>
-                <a:spcPct val="155000"/>
-              </a:lnSpc>
-              <a:spcBef>
-                <a:spcPts val="0"/>
-              </a:spcBef>
-              <a:spcAft>
-                <a:spcPts val="0"/>
-              </a:spcAft>
-              <a:buFont typeface="Wingdings" panose="05000000000000000000" charset="0"/>
-              <a:buChar char="Ø"/>
-            </a:pPr>
-            <a:r>
-              <a:rPr lang="zh-CN" altLang="en-US" sz="2000">
-                <a:sym typeface="+mn-ea"/>
-              </a:rPr>
-              <a:t>执行阶段：执行除存储相关的指令，并将信号送入访存阶段</a:t>
-            </a:r>
-            <a:endParaRPr lang="zh-CN" altLang="en-US" sz="2000"/>
-          </a:p>
-          <a:p>
-            <a:pPr marL="285750" indent="-285750">
-              <a:lnSpc>
-                <a:spcPct val="155000"/>
-              </a:lnSpc>
-              <a:spcBef>
-                <a:spcPts val="0"/>
-              </a:spcBef>
-              <a:spcAft>
-                <a:spcPts val="0"/>
-              </a:spcAft>
-              <a:buFont typeface="Wingdings" panose="05000000000000000000" charset="0"/>
-              <a:buChar char="Ø"/>
-            </a:pPr>
-            <a:r>
-              <a:rPr lang="zh-CN" altLang="en-US" sz="2000">
-                <a:sym typeface="+mn-ea"/>
-              </a:rPr>
-              <a:t>访存阶段：在这一阶段将处理读写内存相关的指令，具体为根据不同的指令调整读取和写入的数据信号量，并将其送入数据存储器 (AXI/DSram) 中，在这一段也会进行异常处理，将信息送入 CP0中。</a:t>
-            </a:r>
-            <a:endParaRPr lang="zh-CN" altLang="en-US" sz="2000"/>
-          </a:p>
-          <a:p>
-            <a:pPr marL="285750" indent="-285750">
-              <a:lnSpc>
-                <a:spcPct val="155000"/>
-              </a:lnSpc>
-              <a:spcBef>
-                <a:spcPts val="0"/>
-              </a:spcBef>
-              <a:spcAft>
-                <a:spcPts val="0"/>
-              </a:spcAft>
-              <a:buFont typeface="Wingdings" panose="05000000000000000000" charset="0"/>
-              <a:buChar char="Ø"/>
-            </a:pPr>
-            <a:r>
-              <a:rPr lang="zh-CN" altLang="en-US" sz="2000">
-                <a:sym typeface="+mn-ea"/>
-              </a:rPr>
-              <a:t>写回阶段：在这一阶段将执行写回寄存器的操作。</a:t>
-            </a:r>
-            <a:endParaRPr lang="zh-CN" altLang="en-US" sz="2000">
-              <a:latin typeface="微软雅黑" panose="020B0503020204020204" pitchFamily="34" charset="-122"/>
-              <a:cs typeface="微软雅黑" panose="020B0503020204020204" pitchFamily="34" charset="-122"/>
-              <a:sym typeface="+mn-ea"/>
-            </a:endParaRPr>
+              <a:t>取指阶段</a:t>
+            </a:r>
+            <a:endParaRPr lang="zh-CN" altLang="en-US"/>
           </a:p>
         </p:txBody>
       </p:sp>
@@ -6333,6 +6558,976 @@
                 <a:ea typeface="微软雅黑" panose="020B0503020204020204" pitchFamily="34" charset="-122"/>
                 <a:sym typeface="+mn-ea"/>
               </a:rPr>
+              <a:t>五级流水线</a:t>
+            </a:r>
+            <a:endParaRPr lang="zh-CN" altLang="en-US" sz="2800" b="1" dirty="0">
+              <a:solidFill>
+                <a:srgbClr val="0068B8"/>
+              </a:solidFill>
+              <a:latin typeface="微软雅黑" panose="020B0503020204020204" pitchFamily="34" charset="-122"/>
+              <a:ea typeface="微软雅黑" panose="020B0503020204020204" pitchFamily="34" charset="-122"/>
+              <a:sym typeface="+mn-ea"/>
+            </a:endParaRPr>
+          </a:p>
+        </p:txBody>
+      </p:sp>
+      <p:sp>
+        <p:nvSpPr>
+          <p:cNvPr id="6" name="文本框 5"/>
+          <p:cNvSpPr txBox="1"/>
+          <p:nvPr/>
+        </p:nvSpPr>
+        <p:spPr>
+          <a:xfrm>
+            <a:off x="1799590" y="6184900"/>
+            <a:ext cx="2489200" cy="368300"/>
+          </a:xfrm>
+          <a:prstGeom prst="rect">
+            <a:avLst/>
+          </a:prstGeom>
+          <a:noFill/>
+        </p:spPr>
+        <p:txBody>
+          <a:bodyPr wrap="square" rtlCol="0">
+            <a:spAutoFit/>
+          </a:bodyPr>
+          <a:p>
+            <a:pPr algn="ctr"/>
+            <a:r>
+              <a:rPr lang="zh-CN" altLang="en-US">
+                <a:sym typeface="+mn-ea"/>
+              </a:rPr>
+              <a:t>译码阶段</a:t>
+            </a:r>
+            <a:endParaRPr lang="zh-CN" altLang="en-US"/>
+          </a:p>
+        </p:txBody>
+      </p:sp>
+      <p:pic>
+        <p:nvPicPr>
+          <p:cNvPr id="7" name="图片 6" descr="译码阶段"/>
+          <p:cNvPicPr>
+            <a:picLocks noChangeAspect="1"/>
+          </p:cNvPicPr>
+          <p:nvPr/>
+        </p:nvPicPr>
+        <p:blipFill>
+          <a:blip r:embed="rId3"/>
+          <a:srcRect l="15451" t="13241" b="4250"/>
+          <a:stretch>
+            <a:fillRect/>
+          </a:stretch>
+        </p:blipFill>
+        <p:spPr>
+          <a:xfrm>
+            <a:off x="411480" y="1153160"/>
+            <a:ext cx="5265420" cy="5008880"/>
+          </a:xfrm>
+          <a:prstGeom prst="rect">
+            <a:avLst/>
+          </a:prstGeom>
+        </p:spPr>
+      </p:pic>
+      <p:pic>
+        <p:nvPicPr>
+          <p:cNvPr id="4" name="图片 3" descr="执行阶段"/>
+          <p:cNvPicPr>
+            <a:picLocks noChangeAspect="1"/>
+          </p:cNvPicPr>
+          <p:nvPr/>
+        </p:nvPicPr>
+        <p:blipFill>
+          <a:blip r:embed="rId4"/>
+          <a:srcRect t="6947" b="9588"/>
+          <a:stretch>
+            <a:fillRect/>
+          </a:stretch>
+        </p:blipFill>
+        <p:spPr>
+          <a:xfrm>
+            <a:off x="6070600" y="1057275"/>
+            <a:ext cx="5609590" cy="5205730"/>
+          </a:xfrm>
+          <a:prstGeom prst="rect">
+            <a:avLst/>
+          </a:prstGeom>
+        </p:spPr>
+      </p:pic>
+      <p:sp>
+        <p:nvSpPr>
+          <p:cNvPr id="8" name="文本框 7"/>
+          <p:cNvSpPr txBox="1"/>
+          <p:nvPr/>
+        </p:nvSpPr>
+        <p:spPr>
+          <a:xfrm>
+            <a:off x="7630795" y="6184900"/>
+            <a:ext cx="2489200" cy="368300"/>
+          </a:xfrm>
+          <a:prstGeom prst="rect">
+            <a:avLst/>
+          </a:prstGeom>
+          <a:noFill/>
+        </p:spPr>
+        <p:txBody>
+          <a:bodyPr wrap="square" rtlCol="0">
+            <a:spAutoFit/>
+          </a:bodyPr>
+          <a:p>
+            <a:pPr algn="ctr"/>
+            <a:r>
+              <a:rPr lang="zh-CN" altLang="en-US">
+                <a:sym typeface="+mn-ea"/>
+              </a:rPr>
+              <a:t>执行阶段</a:t>
+            </a:r>
+            <a:endParaRPr lang="zh-CN" altLang="en-US"/>
+          </a:p>
+        </p:txBody>
+      </p:sp>
+    </p:spTree>
+  </p:cSld>
+  <p:clrMapOvr>
+    <a:masterClrMapping/>
+  </p:clrMapOvr>
+</p:sld>
+</file>
+
+<file path=ppt/slides/slide12.xml><?xml version="1.0" encoding="utf-8"?>
+<p:sld xmlns:a="http://schemas.openxmlformats.org/drawingml/2006/main" xmlns:r="http://schemas.openxmlformats.org/officeDocument/2006/relationships" xmlns:p="http://schemas.openxmlformats.org/presentationml/2006/main">
+  <p:cSld>
+    <p:spTree>
+      <p:nvGrpSpPr>
+        <p:cNvPr id="1" name=""/>
+        <p:cNvGrpSpPr/>
+        <p:nvPr/>
+      </p:nvGrpSpPr>
+      <p:grpSpPr/>
+      <p:sp>
+        <p:nvSpPr>
+          <p:cNvPr id="5" name="矩形 4"/>
+          <p:cNvSpPr/>
+          <p:nvPr/>
+        </p:nvSpPr>
+        <p:spPr>
+          <a:xfrm>
+            <a:off x="556895" y="1130179"/>
+            <a:ext cx="2916621" cy="45719"/>
+          </a:xfrm>
+          <a:prstGeom prst="rect">
+            <a:avLst/>
+          </a:prstGeom>
+          <a:solidFill>
+            <a:srgbClr val="0069B7"/>
+          </a:solidFill>
+          <a:ln>
+            <a:noFill/>
+          </a:ln>
+        </p:spPr>
+        <p:style>
+          <a:lnRef idx="2">
+            <a:schemeClr val="accent1">
+              <a:shade val="50000"/>
+            </a:schemeClr>
+          </a:lnRef>
+          <a:fillRef idx="1">
+            <a:schemeClr val="accent1"/>
+          </a:fillRef>
+          <a:effectRef idx="0">
+            <a:schemeClr val="accent1"/>
+          </a:effectRef>
+          <a:fontRef idx="minor">
+            <a:schemeClr val="lt1"/>
+          </a:fontRef>
+        </p:style>
+        <p:txBody>
+          <a:bodyPr rtlCol="0" anchor="ctr"/>
+          <a:p>
+            <a:pPr algn="ctr"/>
+            <a:endParaRPr lang="zh-CN" altLang="en-US"/>
+          </a:p>
+        </p:txBody>
+      </p:sp>
+      <p:sp>
+        <p:nvSpPr>
+          <p:cNvPr id="2" name="矩形 1"/>
+          <p:cNvSpPr/>
+          <p:nvPr/>
+        </p:nvSpPr>
+        <p:spPr>
+          <a:xfrm>
+            <a:off x="0" y="155115"/>
+            <a:ext cx="1655328" cy="257314"/>
+          </a:xfrm>
+          <a:prstGeom prst="rect">
+            <a:avLst/>
+          </a:prstGeom>
+          <a:solidFill>
+            <a:srgbClr val="0068B7"/>
+          </a:solidFill>
+          <a:ln>
+            <a:noFill/>
+          </a:ln>
+        </p:spPr>
+        <p:style>
+          <a:lnRef idx="2">
+            <a:srgbClr val="5B9BD5">
+              <a:shade val="50000"/>
+            </a:srgbClr>
+          </a:lnRef>
+          <a:fillRef idx="1">
+            <a:srgbClr val="5B9BD5"/>
+          </a:fillRef>
+          <a:effectRef idx="0">
+            <a:srgbClr val="5B9BD5"/>
+          </a:effectRef>
+          <a:fontRef idx="minor">
+            <a:sysClr val="window" lastClr="FFFFFF"/>
+          </a:fontRef>
+        </p:style>
+        <p:txBody>
+          <a:bodyPr rtlCol="0" anchor="ctr"/>
+          <a:p>
+            <a:pPr algn="ctr"/>
+            <a:endParaRPr lang="zh-CN" altLang="en-US"/>
+          </a:p>
+        </p:txBody>
+      </p:sp>
+      <p:sp>
+        <p:nvSpPr>
+          <p:cNvPr id="12" name="矩形 11"/>
+          <p:cNvSpPr/>
+          <p:nvPr/>
+        </p:nvSpPr>
+        <p:spPr>
+          <a:xfrm>
+            <a:off x="0" y="1614"/>
+            <a:ext cx="12192000" cy="164287"/>
+          </a:xfrm>
+          <a:prstGeom prst="rect">
+            <a:avLst/>
+          </a:prstGeom>
+          <a:solidFill>
+            <a:srgbClr val="0068B7"/>
+          </a:solidFill>
+          <a:ln>
+            <a:noFill/>
+          </a:ln>
+        </p:spPr>
+        <p:style>
+          <a:lnRef idx="2">
+            <a:srgbClr val="5B9BD5">
+              <a:shade val="50000"/>
+            </a:srgbClr>
+          </a:lnRef>
+          <a:fillRef idx="1">
+            <a:srgbClr val="5B9BD5"/>
+          </a:fillRef>
+          <a:effectRef idx="0">
+            <a:srgbClr val="5B9BD5"/>
+          </a:effectRef>
+          <a:fontRef idx="minor">
+            <a:sysClr val="window" lastClr="FFFFFF"/>
+          </a:fontRef>
+        </p:style>
+        <p:txBody>
+          <a:bodyPr rtlCol="0" anchor="ctr"/>
+          <a:p>
+            <a:pPr algn="ctr"/>
+            <a:endParaRPr lang="zh-CN" altLang="en-US"/>
+          </a:p>
+        </p:txBody>
+      </p:sp>
+      <p:sp>
+        <p:nvSpPr>
+          <p:cNvPr id="13" name="矩形 12"/>
+          <p:cNvSpPr/>
+          <p:nvPr/>
+        </p:nvSpPr>
+        <p:spPr>
+          <a:xfrm>
+            <a:off x="0" y="6697897"/>
+            <a:ext cx="12192000" cy="164287"/>
+          </a:xfrm>
+          <a:prstGeom prst="rect">
+            <a:avLst/>
+          </a:prstGeom>
+          <a:solidFill>
+            <a:srgbClr val="0068B7"/>
+          </a:solidFill>
+          <a:ln>
+            <a:noFill/>
+          </a:ln>
+        </p:spPr>
+        <p:style>
+          <a:lnRef idx="2">
+            <a:srgbClr val="5B9BD5">
+              <a:shade val="50000"/>
+            </a:srgbClr>
+          </a:lnRef>
+          <a:fillRef idx="1">
+            <a:srgbClr val="5B9BD5"/>
+          </a:fillRef>
+          <a:effectRef idx="0">
+            <a:srgbClr val="5B9BD5"/>
+          </a:effectRef>
+          <a:fontRef idx="minor">
+            <a:sysClr val="window" lastClr="FFFFFF"/>
+          </a:fontRef>
+        </p:style>
+        <p:txBody>
+          <a:bodyPr rtlCol="0" anchor="ctr"/>
+          <a:p>
+            <a:pPr algn="ctr"/>
+            <a:endParaRPr lang="zh-CN" altLang="en-US"/>
+          </a:p>
+        </p:txBody>
+      </p:sp>
+      <p:pic>
+        <p:nvPicPr>
+          <p:cNvPr id="3" name="图片 2" descr="天大智算logo组合"/>
+          <p:cNvPicPr>
+            <a:picLocks noChangeAspect="1"/>
+          </p:cNvPicPr>
+          <p:nvPr>
+            <p:custDataLst>
+              <p:tags r:id="rId1"/>
+            </p:custDataLst>
+          </p:nvPr>
+        </p:nvPicPr>
+        <p:blipFill>
+          <a:blip r:embed="rId2"/>
+          <a:stretch>
+            <a:fillRect/>
+          </a:stretch>
+        </p:blipFill>
+        <p:spPr>
+          <a:xfrm>
+            <a:off x="7817485" y="162560"/>
+            <a:ext cx="4425315" cy="797560"/>
+          </a:xfrm>
+          <a:prstGeom prst="rect">
+            <a:avLst/>
+          </a:prstGeom>
+        </p:spPr>
+      </p:pic>
+      <p:sp>
+        <p:nvSpPr>
+          <p:cNvPr id="10" name="文本框 6"/>
+          <p:cNvSpPr txBox="1">
+            <a:spLocks noChangeArrowheads="1"/>
+          </p:cNvSpPr>
+          <p:nvPr/>
+        </p:nvSpPr>
+        <p:spPr bwMode="auto">
+          <a:xfrm>
+            <a:off x="561975" y="608330"/>
+            <a:ext cx="7381240" cy="521970"/>
+          </a:xfrm>
+          <a:prstGeom prst="rect">
+            <a:avLst/>
+          </a:prstGeom>
+          <a:noFill/>
+          <a:ln>
+            <a:noFill/>
+          </a:ln>
+          <a:extLst>
+            <a:ext uri="{909E8E84-426E-40DD-AFC4-6F175D3DCCD1}">
+              <a14:hiddenFill xmlns:a14="http://schemas.microsoft.com/office/drawing/2010/main">
+                <a:solidFill>
+                  <a:srgbClr val="FFFFFF"/>
+                </a:solidFill>
+              </a14:hiddenFill>
+            </a:ext>
+            <a:ext uri="{91240B29-F687-4F45-9708-019B960494DF}">
+              <a14:hiddenLine xmlns:a14="http://schemas.microsoft.com/office/drawing/2010/main" w="9525">
+                <a:solidFill>
+                  <a:srgbClr val="000000"/>
+                </a:solidFill>
+                <a:miter lim="800000"/>
+                <a:headEnd/>
+                <a:tailEnd/>
+              </a14:hiddenLine>
+            </a:ext>
+          </a:extLst>
+        </p:spPr>
+        <p:txBody>
+          <a:bodyPr wrap="square">
+            <a:spAutoFit/>
+          </a:bodyPr>
+          <a:lstStyle>
+            <a:lvl1pPr>
+              <a:defRPr>
+                <a:solidFill>
+                  <a:schemeClr val="tx1"/>
+                </a:solidFill>
+                <a:latin typeface="Arial" panose="020B0604020202020204" pitchFamily="34" charset="0"/>
+                <a:ea typeface="宋体" panose="02010600030101010101" pitchFamily="2" charset="-122"/>
+              </a:defRPr>
+            </a:lvl1pPr>
+            <a:lvl2pPr marL="742950" indent="-285750">
+              <a:defRPr>
+                <a:solidFill>
+                  <a:schemeClr val="tx1"/>
+                </a:solidFill>
+                <a:latin typeface="Arial" panose="020B0604020202020204" pitchFamily="34" charset="0"/>
+                <a:ea typeface="宋体" panose="02010600030101010101" pitchFamily="2" charset="-122"/>
+              </a:defRPr>
+            </a:lvl2pPr>
+            <a:lvl3pPr marL="1143000" indent="-228600">
+              <a:defRPr>
+                <a:solidFill>
+                  <a:schemeClr val="tx1"/>
+                </a:solidFill>
+                <a:latin typeface="Arial" panose="020B0604020202020204" pitchFamily="34" charset="0"/>
+                <a:ea typeface="宋体" panose="02010600030101010101" pitchFamily="2" charset="-122"/>
+              </a:defRPr>
+            </a:lvl3pPr>
+            <a:lvl4pPr marL="1600200" indent="-228600">
+              <a:defRPr>
+                <a:solidFill>
+                  <a:schemeClr val="tx1"/>
+                </a:solidFill>
+                <a:latin typeface="Arial" panose="020B0604020202020204" pitchFamily="34" charset="0"/>
+                <a:ea typeface="宋体" panose="02010600030101010101" pitchFamily="2" charset="-122"/>
+              </a:defRPr>
+            </a:lvl4pPr>
+            <a:lvl5pPr marL="2057400" indent="-228600">
+              <a:defRPr>
+                <a:solidFill>
+                  <a:schemeClr val="tx1"/>
+                </a:solidFill>
+                <a:latin typeface="Arial" panose="020B0604020202020204" pitchFamily="34" charset="0"/>
+                <a:ea typeface="宋体" panose="02010600030101010101" pitchFamily="2" charset="-122"/>
+              </a:defRPr>
+            </a:lvl5pPr>
+            <a:lvl6pPr marL="2514600" indent="-228600" eaLnBrk="0" fontAlgn="base" hangingPunct="0">
+              <a:spcBef>
+                <a:spcPct val="0"/>
+              </a:spcBef>
+              <a:spcAft>
+                <a:spcPct val="0"/>
+              </a:spcAft>
+              <a:defRPr>
+                <a:solidFill>
+                  <a:schemeClr val="tx1"/>
+                </a:solidFill>
+                <a:latin typeface="Arial" panose="020B0604020202020204" pitchFamily="34" charset="0"/>
+                <a:ea typeface="宋体" panose="02010600030101010101" pitchFamily="2" charset="-122"/>
+              </a:defRPr>
+            </a:lvl6pPr>
+            <a:lvl7pPr marL="2971800" indent="-228600" eaLnBrk="0" fontAlgn="base" hangingPunct="0">
+              <a:spcBef>
+                <a:spcPct val="0"/>
+              </a:spcBef>
+              <a:spcAft>
+                <a:spcPct val="0"/>
+              </a:spcAft>
+              <a:defRPr>
+                <a:solidFill>
+                  <a:schemeClr val="tx1"/>
+                </a:solidFill>
+                <a:latin typeface="Arial" panose="020B0604020202020204" pitchFamily="34" charset="0"/>
+                <a:ea typeface="宋体" panose="02010600030101010101" pitchFamily="2" charset="-122"/>
+              </a:defRPr>
+            </a:lvl7pPr>
+            <a:lvl8pPr marL="3429000" indent="-228600" eaLnBrk="0" fontAlgn="base" hangingPunct="0">
+              <a:spcBef>
+                <a:spcPct val="0"/>
+              </a:spcBef>
+              <a:spcAft>
+                <a:spcPct val="0"/>
+              </a:spcAft>
+              <a:defRPr>
+                <a:solidFill>
+                  <a:schemeClr val="tx1"/>
+                </a:solidFill>
+                <a:latin typeface="Arial" panose="020B0604020202020204" pitchFamily="34" charset="0"/>
+                <a:ea typeface="宋体" panose="02010600030101010101" pitchFamily="2" charset="-122"/>
+              </a:defRPr>
+            </a:lvl8pPr>
+            <a:lvl9pPr marL="3886200" indent="-228600" eaLnBrk="0" fontAlgn="base" hangingPunct="0">
+              <a:spcBef>
+                <a:spcPct val="0"/>
+              </a:spcBef>
+              <a:spcAft>
+                <a:spcPct val="0"/>
+              </a:spcAft>
+              <a:defRPr>
+                <a:solidFill>
+                  <a:schemeClr val="tx1"/>
+                </a:solidFill>
+                <a:latin typeface="Arial" panose="020B0604020202020204" pitchFamily="34" charset="0"/>
+                <a:ea typeface="宋体" panose="02010600030101010101" pitchFamily="2" charset="-122"/>
+              </a:defRPr>
+            </a:lvl9pPr>
+          </a:lstStyle>
+          <a:p>
+            <a:r>
+              <a:rPr lang="zh-CN" altLang="en-US" sz="2800" b="1" dirty="0">
+                <a:solidFill>
+                  <a:srgbClr val="0068B8"/>
+                </a:solidFill>
+                <a:latin typeface="微软雅黑" panose="020B0503020204020204" pitchFamily="34" charset="-122"/>
+                <a:ea typeface="微软雅黑" panose="020B0503020204020204" pitchFamily="34" charset="-122"/>
+                <a:sym typeface="+mn-ea"/>
+              </a:rPr>
+              <a:t>五级流水线</a:t>
+            </a:r>
+            <a:endParaRPr lang="zh-CN" altLang="en-US" sz="2800" b="1" dirty="0">
+              <a:solidFill>
+                <a:srgbClr val="0068B8"/>
+              </a:solidFill>
+              <a:latin typeface="微软雅黑" panose="020B0503020204020204" pitchFamily="34" charset="-122"/>
+              <a:ea typeface="微软雅黑" panose="020B0503020204020204" pitchFamily="34" charset="-122"/>
+              <a:sym typeface="+mn-ea"/>
+            </a:endParaRPr>
+          </a:p>
+        </p:txBody>
+      </p:sp>
+      <p:sp>
+        <p:nvSpPr>
+          <p:cNvPr id="6" name="文本框 5"/>
+          <p:cNvSpPr txBox="1"/>
+          <p:nvPr/>
+        </p:nvSpPr>
+        <p:spPr>
+          <a:xfrm>
+            <a:off x="685800" y="6066790"/>
+            <a:ext cx="10959465" cy="368300"/>
+          </a:xfrm>
+          <a:prstGeom prst="rect">
+            <a:avLst/>
+          </a:prstGeom>
+          <a:noFill/>
+        </p:spPr>
+        <p:txBody>
+          <a:bodyPr wrap="square" rtlCol="0">
+            <a:spAutoFit/>
+          </a:bodyPr>
+          <a:p>
+            <a:pPr algn="ctr"/>
+            <a:r>
+              <a:rPr lang="zh-CN" altLang="en-US">
+                <a:sym typeface="+mn-ea"/>
+              </a:rPr>
+              <a:t>访存阶段</a:t>
+            </a:r>
+            <a:endParaRPr lang="zh-CN" altLang="en-US"/>
+          </a:p>
+        </p:txBody>
+      </p:sp>
+      <p:pic>
+        <p:nvPicPr>
+          <p:cNvPr id="7" name="图片 6" descr="访存阶段"/>
+          <p:cNvPicPr>
+            <a:picLocks noChangeAspect="1"/>
+          </p:cNvPicPr>
+          <p:nvPr/>
+        </p:nvPicPr>
+        <p:blipFill>
+          <a:blip r:embed="rId3"/>
+          <a:stretch>
+            <a:fillRect/>
+          </a:stretch>
+        </p:blipFill>
+        <p:spPr>
+          <a:xfrm>
+            <a:off x="556895" y="1341120"/>
+            <a:ext cx="11088370" cy="4628515"/>
+          </a:xfrm>
+          <a:prstGeom prst="rect">
+            <a:avLst/>
+          </a:prstGeom>
+        </p:spPr>
+      </p:pic>
+    </p:spTree>
+  </p:cSld>
+  <p:clrMapOvr>
+    <a:masterClrMapping/>
+  </p:clrMapOvr>
+</p:sld>
+</file>
+
+<file path=ppt/slides/slide13.xml><?xml version="1.0" encoding="utf-8"?>
+<p:sld xmlns:a="http://schemas.openxmlformats.org/drawingml/2006/main" xmlns:r="http://schemas.openxmlformats.org/officeDocument/2006/relationships" xmlns:p="http://schemas.openxmlformats.org/presentationml/2006/main">
+  <p:cSld>
+    <p:spTree>
+      <p:nvGrpSpPr>
+        <p:cNvPr id="1" name=""/>
+        <p:cNvGrpSpPr/>
+        <p:nvPr/>
+      </p:nvGrpSpPr>
+      <p:grpSpPr/>
+      <p:sp>
+        <p:nvSpPr>
+          <p:cNvPr id="5" name="矩形 4"/>
+          <p:cNvSpPr/>
+          <p:nvPr/>
+        </p:nvSpPr>
+        <p:spPr>
+          <a:xfrm>
+            <a:off x="556895" y="1130179"/>
+            <a:ext cx="2916621" cy="45719"/>
+          </a:xfrm>
+          <a:prstGeom prst="rect">
+            <a:avLst/>
+          </a:prstGeom>
+          <a:solidFill>
+            <a:srgbClr val="0069B7"/>
+          </a:solidFill>
+          <a:ln>
+            <a:noFill/>
+          </a:ln>
+        </p:spPr>
+        <p:style>
+          <a:lnRef idx="2">
+            <a:schemeClr val="accent1">
+              <a:shade val="50000"/>
+            </a:schemeClr>
+          </a:lnRef>
+          <a:fillRef idx="1">
+            <a:schemeClr val="accent1"/>
+          </a:fillRef>
+          <a:effectRef idx="0">
+            <a:schemeClr val="accent1"/>
+          </a:effectRef>
+          <a:fontRef idx="minor">
+            <a:schemeClr val="lt1"/>
+          </a:fontRef>
+        </p:style>
+        <p:txBody>
+          <a:bodyPr rtlCol="0" anchor="ctr"/>
+          <a:p>
+            <a:pPr algn="ctr"/>
+            <a:endParaRPr lang="zh-CN" altLang="en-US"/>
+          </a:p>
+        </p:txBody>
+      </p:sp>
+      <p:sp>
+        <p:nvSpPr>
+          <p:cNvPr id="2" name="矩形 1"/>
+          <p:cNvSpPr/>
+          <p:nvPr/>
+        </p:nvSpPr>
+        <p:spPr>
+          <a:xfrm>
+            <a:off x="0" y="155115"/>
+            <a:ext cx="1655328" cy="257314"/>
+          </a:xfrm>
+          <a:prstGeom prst="rect">
+            <a:avLst/>
+          </a:prstGeom>
+          <a:solidFill>
+            <a:srgbClr val="0068B7"/>
+          </a:solidFill>
+          <a:ln>
+            <a:noFill/>
+          </a:ln>
+        </p:spPr>
+        <p:style>
+          <a:lnRef idx="2">
+            <a:srgbClr val="5B9BD5">
+              <a:shade val="50000"/>
+            </a:srgbClr>
+          </a:lnRef>
+          <a:fillRef idx="1">
+            <a:srgbClr val="5B9BD5"/>
+          </a:fillRef>
+          <a:effectRef idx="0">
+            <a:srgbClr val="5B9BD5"/>
+          </a:effectRef>
+          <a:fontRef idx="minor">
+            <a:sysClr val="window" lastClr="FFFFFF"/>
+          </a:fontRef>
+        </p:style>
+        <p:txBody>
+          <a:bodyPr rtlCol="0" anchor="ctr"/>
+          <a:p>
+            <a:pPr algn="ctr"/>
+            <a:endParaRPr lang="zh-CN" altLang="en-US"/>
+          </a:p>
+        </p:txBody>
+      </p:sp>
+      <p:sp>
+        <p:nvSpPr>
+          <p:cNvPr id="12" name="矩形 11"/>
+          <p:cNvSpPr/>
+          <p:nvPr/>
+        </p:nvSpPr>
+        <p:spPr>
+          <a:xfrm>
+            <a:off x="0" y="1614"/>
+            <a:ext cx="12192000" cy="164287"/>
+          </a:xfrm>
+          <a:prstGeom prst="rect">
+            <a:avLst/>
+          </a:prstGeom>
+          <a:solidFill>
+            <a:srgbClr val="0068B7"/>
+          </a:solidFill>
+          <a:ln>
+            <a:noFill/>
+          </a:ln>
+        </p:spPr>
+        <p:style>
+          <a:lnRef idx="2">
+            <a:srgbClr val="5B9BD5">
+              <a:shade val="50000"/>
+            </a:srgbClr>
+          </a:lnRef>
+          <a:fillRef idx="1">
+            <a:srgbClr val="5B9BD5"/>
+          </a:fillRef>
+          <a:effectRef idx="0">
+            <a:srgbClr val="5B9BD5"/>
+          </a:effectRef>
+          <a:fontRef idx="minor">
+            <a:sysClr val="window" lastClr="FFFFFF"/>
+          </a:fontRef>
+        </p:style>
+        <p:txBody>
+          <a:bodyPr rtlCol="0" anchor="ctr"/>
+          <a:p>
+            <a:pPr algn="ctr"/>
+            <a:endParaRPr lang="zh-CN" altLang="en-US"/>
+          </a:p>
+        </p:txBody>
+      </p:sp>
+      <p:sp>
+        <p:nvSpPr>
+          <p:cNvPr id="13" name="矩形 12"/>
+          <p:cNvSpPr/>
+          <p:nvPr/>
+        </p:nvSpPr>
+        <p:spPr>
+          <a:xfrm>
+            <a:off x="0" y="6697897"/>
+            <a:ext cx="12192000" cy="164287"/>
+          </a:xfrm>
+          <a:prstGeom prst="rect">
+            <a:avLst/>
+          </a:prstGeom>
+          <a:solidFill>
+            <a:srgbClr val="0068B7"/>
+          </a:solidFill>
+          <a:ln>
+            <a:noFill/>
+          </a:ln>
+        </p:spPr>
+        <p:style>
+          <a:lnRef idx="2">
+            <a:srgbClr val="5B9BD5">
+              <a:shade val="50000"/>
+            </a:srgbClr>
+          </a:lnRef>
+          <a:fillRef idx="1">
+            <a:srgbClr val="5B9BD5"/>
+          </a:fillRef>
+          <a:effectRef idx="0">
+            <a:srgbClr val="5B9BD5"/>
+          </a:effectRef>
+          <a:fontRef idx="minor">
+            <a:sysClr val="window" lastClr="FFFFFF"/>
+          </a:fontRef>
+        </p:style>
+        <p:txBody>
+          <a:bodyPr rtlCol="0" anchor="ctr"/>
+          <a:p>
+            <a:pPr algn="ctr"/>
+            <a:endParaRPr lang="zh-CN" altLang="en-US"/>
+          </a:p>
+        </p:txBody>
+      </p:sp>
+      <p:pic>
+        <p:nvPicPr>
+          <p:cNvPr id="3" name="图片 2" descr="天大智算logo组合"/>
+          <p:cNvPicPr>
+            <a:picLocks noChangeAspect="1"/>
+          </p:cNvPicPr>
+          <p:nvPr>
+            <p:custDataLst>
+              <p:tags r:id="rId1"/>
+            </p:custDataLst>
+          </p:nvPr>
+        </p:nvPicPr>
+        <p:blipFill>
+          <a:blip r:embed="rId2"/>
+          <a:stretch>
+            <a:fillRect/>
+          </a:stretch>
+        </p:blipFill>
+        <p:spPr>
+          <a:xfrm>
+            <a:off x="7817485" y="162560"/>
+            <a:ext cx="4425315" cy="797560"/>
+          </a:xfrm>
+          <a:prstGeom prst="rect">
+            <a:avLst/>
+          </a:prstGeom>
+        </p:spPr>
+      </p:pic>
+      <p:sp>
+        <p:nvSpPr>
+          <p:cNvPr id="10" name="文本框 6"/>
+          <p:cNvSpPr txBox="1">
+            <a:spLocks noChangeArrowheads="1"/>
+          </p:cNvSpPr>
+          <p:nvPr/>
+        </p:nvSpPr>
+        <p:spPr bwMode="auto">
+          <a:xfrm>
+            <a:off x="561975" y="608330"/>
+            <a:ext cx="7381240" cy="521970"/>
+          </a:xfrm>
+          <a:prstGeom prst="rect">
+            <a:avLst/>
+          </a:prstGeom>
+          <a:noFill/>
+          <a:ln>
+            <a:noFill/>
+          </a:ln>
+          <a:extLst>
+            <a:ext uri="{909E8E84-426E-40DD-AFC4-6F175D3DCCD1}">
+              <a14:hiddenFill xmlns:a14="http://schemas.microsoft.com/office/drawing/2010/main">
+                <a:solidFill>
+                  <a:srgbClr val="FFFFFF"/>
+                </a:solidFill>
+              </a14:hiddenFill>
+            </a:ext>
+            <a:ext uri="{91240B29-F687-4F45-9708-019B960494DF}">
+              <a14:hiddenLine xmlns:a14="http://schemas.microsoft.com/office/drawing/2010/main" w="9525">
+                <a:solidFill>
+                  <a:srgbClr val="000000"/>
+                </a:solidFill>
+                <a:miter lim="800000"/>
+                <a:headEnd/>
+                <a:tailEnd/>
+              </a14:hiddenLine>
+            </a:ext>
+          </a:extLst>
+        </p:spPr>
+        <p:txBody>
+          <a:bodyPr wrap="square">
+            <a:spAutoFit/>
+          </a:bodyPr>
+          <a:lstStyle>
+            <a:lvl1pPr>
+              <a:defRPr>
+                <a:solidFill>
+                  <a:schemeClr val="tx1"/>
+                </a:solidFill>
+                <a:latin typeface="Arial" panose="020B0604020202020204" pitchFamily="34" charset="0"/>
+                <a:ea typeface="宋体" panose="02010600030101010101" pitchFamily="2" charset="-122"/>
+              </a:defRPr>
+            </a:lvl1pPr>
+            <a:lvl2pPr marL="742950" indent="-285750">
+              <a:defRPr>
+                <a:solidFill>
+                  <a:schemeClr val="tx1"/>
+                </a:solidFill>
+                <a:latin typeface="Arial" panose="020B0604020202020204" pitchFamily="34" charset="0"/>
+                <a:ea typeface="宋体" panose="02010600030101010101" pitchFamily="2" charset="-122"/>
+              </a:defRPr>
+            </a:lvl2pPr>
+            <a:lvl3pPr marL="1143000" indent="-228600">
+              <a:defRPr>
+                <a:solidFill>
+                  <a:schemeClr val="tx1"/>
+                </a:solidFill>
+                <a:latin typeface="Arial" panose="020B0604020202020204" pitchFamily="34" charset="0"/>
+                <a:ea typeface="宋体" panose="02010600030101010101" pitchFamily="2" charset="-122"/>
+              </a:defRPr>
+            </a:lvl3pPr>
+            <a:lvl4pPr marL="1600200" indent="-228600">
+              <a:defRPr>
+                <a:solidFill>
+                  <a:schemeClr val="tx1"/>
+                </a:solidFill>
+                <a:latin typeface="Arial" panose="020B0604020202020204" pitchFamily="34" charset="0"/>
+                <a:ea typeface="宋体" panose="02010600030101010101" pitchFamily="2" charset="-122"/>
+              </a:defRPr>
+            </a:lvl4pPr>
+            <a:lvl5pPr marL="2057400" indent="-228600">
+              <a:defRPr>
+                <a:solidFill>
+                  <a:schemeClr val="tx1"/>
+                </a:solidFill>
+                <a:latin typeface="Arial" panose="020B0604020202020204" pitchFamily="34" charset="0"/>
+                <a:ea typeface="宋体" panose="02010600030101010101" pitchFamily="2" charset="-122"/>
+              </a:defRPr>
+            </a:lvl5pPr>
+            <a:lvl6pPr marL="2514600" indent="-228600" eaLnBrk="0" fontAlgn="base" hangingPunct="0">
+              <a:spcBef>
+                <a:spcPct val="0"/>
+              </a:spcBef>
+              <a:spcAft>
+                <a:spcPct val="0"/>
+              </a:spcAft>
+              <a:defRPr>
+                <a:solidFill>
+                  <a:schemeClr val="tx1"/>
+                </a:solidFill>
+                <a:latin typeface="Arial" panose="020B0604020202020204" pitchFamily="34" charset="0"/>
+                <a:ea typeface="宋体" panose="02010600030101010101" pitchFamily="2" charset="-122"/>
+              </a:defRPr>
+            </a:lvl6pPr>
+            <a:lvl7pPr marL="2971800" indent="-228600" eaLnBrk="0" fontAlgn="base" hangingPunct="0">
+              <a:spcBef>
+                <a:spcPct val="0"/>
+              </a:spcBef>
+              <a:spcAft>
+                <a:spcPct val="0"/>
+              </a:spcAft>
+              <a:defRPr>
+                <a:solidFill>
+                  <a:schemeClr val="tx1"/>
+                </a:solidFill>
+                <a:latin typeface="Arial" panose="020B0604020202020204" pitchFamily="34" charset="0"/>
+                <a:ea typeface="宋体" panose="02010600030101010101" pitchFamily="2" charset="-122"/>
+              </a:defRPr>
+            </a:lvl7pPr>
+            <a:lvl8pPr marL="3429000" indent="-228600" eaLnBrk="0" fontAlgn="base" hangingPunct="0">
+              <a:spcBef>
+                <a:spcPct val="0"/>
+              </a:spcBef>
+              <a:spcAft>
+                <a:spcPct val="0"/>
+              </a:spcAft>
+              <a:defRPr>
+                <a:solidFill>
+                  <a:schemeClr val="tx1"/>
+                </a:solidFill>
+                <a:latin typeface="Arial" panose="020B0604020202020204" pitchFamily="34" charset="0"/>
+                <a:ea typeface="宋体" panose="02010600030101010101" pitchFamily="2" charset="-122"/>
+              </a:defRPr>
+            </a:lvl8pPr>
+            <a:lvl9pPr marL="3886200" indent="-228600" eaLnBrk="0" fontAlgn="base" hangingPunct="0">
+              <a:spcBef>
+                <a:spcPct val="0"/>
+              </a:spcBef>
+              <a:spcAft>
+                <a:spcPct val="0"/>
+              </a:spcAft>
+              <a:defRPr>
+                <a:solidFill>
+                  <a:schemeClr val="tx1"/>
+                </a:solidFill>
+                <a:latin typeface="Arial" panose="020B0604020202020204" pitchFamily="34" charset="0"/>
+                <a:ea typeface="宋体" panose="02010600030101010101" pitchFamily="2" charset="-122"/>
+              </a:defRPr>
+            </a:lvl9pPr>
+          </a:lstStyle>
+          <a:p>
+            <a:r>
+              <a:rPr lang="zh-CN" altLang="en-US" sz="2800" b="1" dirty="0">
+                <a:solidFill>
+                  <a:srgbClr val="0068B8"/>
+                </a:solidFill>
+                <a:latin typeface="微软雅黑" panose="020B0503020204020204" pitchFamily="34" charset="-122"/>
+                <a:ea typeface="微软雅黑" panose="020B0503020204020204" pitchFamily="34" charset="-122"/>
+                <a:sym typeface="+mn-ea"/>
+              </a:rPr>
               <a:t>分支预测器</a:t>
             </a:r>
             <a:endParaRPr lang="zh-CN" altLang="en-US" sz="2800" b="1" dirty="0">
@@ -6363,7 +7558,7 @@
         </p:blipFill>
         <p:spPr>
           <a:xfrm>
-            <a:off x="15875" y="1303655"/>
+            <a:off x="775335" y="1219835"/>
             <a:ext cx="6440170" cy="5313680"/>
           </a:xfrm>
           <a:prstGeom prst="rect">
@@ -6379,8 +7574,8 @@
         </p:nvSpPr>
         <p:spPr>
           <a:xfrm>
-            <a:off x="6343650" y="1158875"/>
-            <a:ext cx="5638165" cy="398780"/>
+            <a:off x="7816215" y="2716530"/>
+            <a:ext cx="3710305" cy="706755"/>
           </a:xfrm>
           <a:prstGeom prst="rect">
             <a:avLst/>
@@ -6462,8 +7657,8 @@
         </p:nvSpPr>
         <p:spPr>
           <a:xfrm>
-            <a:off x="6301105" y="1865630"/>
-            <a:ext cx="5624830" cy="706755"/>
+            <a:off x="7816215" y="3766185"/>
+            <a:ext cx="3710305" cy="1014730"/>
           </a:xfrm>
           <a:prstGeom prst="rect">
             <a:avLst/>
@@ -6527,138 +7722,6 @@
               <a:t>(存放分支指令的类型、跳转信息以及跳转情况)</a:t>
             </a:r>
             <a:endParaRPr lang="zh-CN" sz="2000" b="1" dirty="0">
-              <a:latin typeface="微软雅黑" panose="020B0503020204020204" pitchFamily="34" charset="-122"/>
-              <a:ea typeface="微软雅黑" panose="020B0503020204020204" pitchFamily="34" charset="-122"/>
-            </a:endParaRPr>
-          </a:p>
-        </p:txBody>
-      </p:sp>
-      <p:sp>
-        <p:nvSpPr>
-          <p:cNvPr id="11" name="文本框 10"/>
-          <p:cNvSpPr txBox="1"/>
-          <p:nvPr/>
-        </p:nvSpPr>
-        <p:spPr>
-          <a:xfrm>
-            <a:off x="6301740" y="2864485"/>
-            <a:ext cx="5624195" cy="1322070"/>
-          </a:xfrm>
-          <a:prstGeom prst="rect">
-            <a:avLst/>
-          </a:prstGeom>
-          <a:solidFill>
-            <a:schemeClr val="bg1">
-              <a:lumMod val="85000"/>
-            </a:schemeClr>
-          </a:solidFill>
-        </p:spPr>
-        <p:txBody>
-          <a:bodyPr wrap="square">
-            <a:spAutoFit/>
-          </a:bodyPr>
-          <a:p>
-            <a:pPr algn="l" eaLnBrk="0" hangingPunct="0">
-              <a:defRPr/>
-            </a:pPr>
-            <a:r>
-              <a:rPr lang="zh-CN" altLang="en-US" sz="2000" b="1">
-                <a:latin typeface="微软雅黑" panose="020B0503020204020204" pitchFamily="34" charset="-122"/>
-                <a:cs typeface="微软雅黑" panose="020B0503020204020204" pitchFamily="34" charset="-122"/>
-                <a:sym typeface="+mn-ea"/>
-              </a:rPr>
-              <a:t>对于</a:t>
-            </a:r>
-            <a:r>
-              <a:rPr lang="zh-CN" altLang="en-US" sz="2000" b="1">
-                <a:solidFill>
-                  <a:srgbClr val="C00000"/>
-                </a:solidFill>
-                <a:latin typeface="微软雅黑" panose="020B0503020204020204" pitchFamily="34" charset="-122"/>
-                <a:cs typeface="微软雅黑" panose="020B0503020204020204" pitchFamily="34" charset="-122"/>
-                <a:sym typeface="+mn-ea"/>
-              </a:rPr>
-              <a:t>循环类型</a:t>
-            </a:r>
-            <a:r>
-              <a:rPr lang="zh-CN" altLang="en-US" sz="2000" b="1">
-                <a:latin typeface="微软雅黑" panose="020B0503020204020204" pitchFamily="34" charset="-122"/>
-                <a:cs typeface="微软雅黑" panose="020B0503020204020204" pitchFamily="34" charset="-122"/>
-                <a:sym typeface="+mn-ea"/>
-              </a:rPr>
-              <a:t>的分支结构（通常出现在 BEQ、BNE 等指令）：采用缓存直接存储近期出现的分支跳转指令和分支指令类型，这些信息由执行阶段提供。</a:t>
-            </a:r>
-            <a:endParaRPr lang="zh-CN" altLang="en-US" sz="2000" b="1" dirty="0" smtClean="0">
-              <a:latin typeface="微软雅黑" panose="020B0503020204020204" pitchFamily="34" charset="-122"/>
-              <a:ea typeface="微软雅黑" panose="020B0503020204020204" pitchFamily="34" charset="-122"/>
-            </a:endParaRPr>
-          </a:p>
-        </p:txBody>
-      </p:sp>
-      <p:sp>
-        <p:nvSpPr>
-          <p:cNvPr id="15" name="文本框 14"/>
-          <p:cNvSpPr txBox="1"/>
-          <p:nvPr/>
-        </p:nvSpPr>
-        <p:spPr>
-          <a:xfrm>
-            <a:off x="6301740" y="4478655"/>
-            <a:ext cx="5624195" cy="1938020"/>
-          </a:xfrm>
-          <a:prstGeom prst="rect">
-            <a:avLst/>
-          </a:prstGeom>
-          <a:solidFill>
-            <a:schemeClr val="bg1">
-              <a:lumMod val="85000"/>
-            </a:schemeClr>
-          </a:solidFill>
-        </p:spPr>
-        <p:txBody>
-          <a:bodyPr wrap="square">
-            <a:spAutoFit/>
-          </a:bodyPr>
-          <a:p>
-            <a:pPr algn="l" eaLnBrk="0" hangingPunct="0">
-              <a:defRPr/>
-            </a:pPr>
-            <a:r>
-              <a:rPr lang="zh-CN" altLang="en-US" sz="2000" b="1">
-                <a:latin typeface="微软雅黑" panose="020B0503020204020204" pitchFamily="34" charset="-122"/>
-                <a:cs typeface="微软雅黑" panose="020B0503020204020204" pitchFamily="34" charset="-122"/>
-                <a:sym typeface="+mn-ea"/>
-              </a:rPr>
-              <a:t>对于</a:t>
-            </a:r>
-            <a:r>
-              <a:rPr lang="zh-CN" altLang="en-US" sz="2000" b="1">
-                <a:solidFill>
-                  <a:srgbClr val="C00000"/>
-                </a:solidFill>
-                <a:latin typeface="微软雅黑" panose="020B0503020204020204" pitchFamily="34" charset="-122"/>
-                <a:cs typeface="微软雅黑" panose="020B0503020204020204" pitchFamily="34" charset="-122"/>
-                <a:sym typeface="+mn-ea"/>
-              </a:rPr>
-              <a:t>调用类型</a:t>
-            </a:r>
-            <a:r>
-              <a:rPr lang="zh-CN" altLang="en-US" sz="2000" b="1">
-                <a:latin typeface="微软雅黑" panose="020B0503020204020204" pitchFamily="34" charset="-122"/>
-                <a:cs typeface="微软雅黑" panose="020B0503020204020204" pitchFamily="34" charset="-122"/>
-                <a:sym typeface="+mn-ea"/>
-              </a:rPr>
-              <a:t>的分支结构：</a:t>
-            </a:r>
-            <a:r>
-              <a:rPr lang="zh-CN" altLang="en-US" sz="2000" b="1">
-                <a:latin typeface="微软雅黑" panose="020B0503020204020204" pitchFamily="34" charset="-122"/>
-                <a:cs typeface="微软雅黑" panose="020B0503020204020204" pitchFamily="34" charset="-122"/>
-                <a:sym typeface="+mn-ea"/>
-              </a:rPr>
-              <a:t>预测期中实现了一个返回地址栈。此时，JAL 指令继续采用缓存预测跳转地址，因为缓存中存放了跳转类型，那么在对 JAL 指令进行预测后可以将其对应的 PC + 8 后压入栈，再遇到 JR 指令时直接从栈中获取跳转地址。</a:t>
-            </a:r>
-            <a:endParaRPr lang="zh-CN" altLang="en-US" sz="2000" b="1" dirty="0" smtClean="0">
               <a:latin typeface="微软雅黑" panose="020B0503020204020204" pitchFamily="34" charset="-122"/>
               <a:ea typeface="微软雅黑" panose="020B0503020204020204" pitchFamily="34" charset="-122"/>
             </a:endParaRPr>
@@ -6855,168 +7918,6 @@
                                   </p:childTnLst>
                                 </p:cTn>
                               </p:par>
-                              <p:par>
-                                <p:cTn id="15" presetID="50" presetClass="entr" presetSubtype="0" decel="100000" fill="hold" grpId="0" nodeType="withEffect">
-                                  <p:stCondLst>
-                                    <p:cond delay="0"/>
-                                  </p:stCondLst>
-                                  <p:childTnLst>
-                                    <p:set>
-                                      <p:cBhvr>
-                                        <p:cTn id="16" dur="1" fill="hold">
-                                          <p:stCondLst>
-                                            <p:cond delay="0"/>
-                                          </p:stCondLst>
-                                        </p:cTn>
-                                        <p:tgtEl>
-                                          <p:spTgt spid="11"/>
-                                        </p:tgtEl>
-                                        <p:attrNameLst>
-                                          <p:attrName>style.visibility</p:attrName>
-                                        </p:attrNameLst>
-                                      </p:cBhvr>
-                                      <p:to>
-                                        <p:strVal val="visible"/>
-                                      </p:to>
-                                    </p:set>
-                                    <p:anim calcmode="lin" valueType="num">
-                                      <p:cBhvr>
-                                        <p:cTn id="17" dur="1000" fill="hold"/>
-                                        <p:tgtEl>
-                                          <p:spTgt spid="11"/>
-                                        </p:tgtEl>
-                                        <p:attrNameLst>
-                                          <p:attrName>ppt_w</p:attrName>
-                                        </p:attrNameLst>
-                                      </p:cBhvr>
-                                      <p:tavLst>
-                                        <p:tav tm="0">
-                                          <p:val>
-                                            <p:strVal val="#ppt_w+.3"/>
-                                          </p:val>
-                                        </p:tav>
-                                        <p:tav tm="100000">
-                                          <p:val>
-                                            <p:strVal val="#ppt_w"/>
-                                          </p:val>
-                                        </p:tav>
-                                      </p:tavLst>
-                                    </p:anim>
-                                    <p:anim calcmode="lin" valueType="num">
-                                      <p:cBhvr>
-                                        <p:cTn id="18" dur="1000" fill="hold"/>
-                                        <p:tgtEl>
-                                          <p:spTgt spid="11"/>
-                                        </p:tgtEl>
-                                        <p:attrNameLst>
-                                          <p:attrName>ppt_h</p:attrName>
-                                        </p:attrNameLst>
-                                      </p:cBhvr>
-                                      <p:tavLst>
-                                        <p:tav tm="0">
-                                          <p:val>
-                                            <p:strVal val="#ppt_h"/>
-                                          </p:val>
-                                        </p:tav>
-                                        <p:tav tm="100000">
-                                          <p:val>
-                                            <p:strVal val="#ppt_h"/>
-                                          </p:val>
-                                        </p:tav>
-                                      </p:tavLst>
-                                    </p:anim>
-                                    <p:animEffect transition="in" filter="fade">
-                                      <p:cBhvr>
-                                        <p:cTn id="19" dur="1000"/>
-                                        <p:tgtEl>
-                                          <p:spTgt spid="11"/>
-                                        </p:tgtEl>
-                                      </p:cBhvr>
-                                    </p:animEffect>
-                                  </p:childTnLst>
-                                </p:cTn>
-                              </p:par>
-                              <p:par>
-                                <p:cTn id="20" presetID="50" presetClass="entr" presetSubtype="0" decel="100000" fill="hold" grpId="0" nodeType="withEffect">
-                                  <p:stCondLst>
-                                    <p:cond delay="0"/>
-                                  </p:stCondLst>
-                                  <p:childTnLst>
-                                    <p:set>
-                                      <p:cBhvr>
-                                        <p:cTn id="21" dur="1" fill="hold">
-                                          <p:stCondLst>
-                                            <p:cond delay="0"/>
-                                          </p:stCondLst>
-                                        </p:cTn>
-                                        <p:tgtEl>
-                                          <p:spTgt spid="15"/>
-                                        </p:tgtEl>
-                                        <p:attrNameLst>
-                                          <p:attrName>style.visibility</p:attrName>
-                                        </p:attrNameLst>
-                                      </p:cBhvr>
-                                      <p:to>
-                                        <p:strVal val="visible"/>
-                                      </p:to>
-                                    </p:set>
-                                    <p:anim calcmode="lin" valueType="num">
-                                      <p:cBhvr>
-                                        <p:cTn id="22" dur="1000" fill="hold"/>
-                                        <p:tgtEl>
-                                          <p:spTgt spid="15"/>
-                                        </p:tgtEl>
-                                        <p:attrNameLst>
-                                          <p:attrName>ppt_w</p:attrName>
-                                        </p:attrNameLst>
-                                      </p:cBhvr>
-                                      <p:tavLst>
-                                        <p:tav tm="0">
-                                          <p:val>
-                                            <p:strVal val="#ppt_w+.3"/>
-                                          </p:val>
-                                        </p:tav>
-                                        <p:tav tm="100000">
-                                          <p:val>
-                                            <p:strVal val="#ppt_w"/>
-                                          </p:val>
-                                        </p:tav>
-                                      </p:tavLst>
-                                    </p:anim>
-                                    <p:anim calcmode="lin" valueType="num">
-                                      <p:cBhvr>
-                                        <p:cTn id="23" dur="1000" fill="hold"/>
-                                        <p:tgtEl>
-                                          <p:spTgt spid="15"/>
-                                        </p:tgtEl>
-                                        <p:attrNameLst>
-                                          <p:attrName>ppt_h</p:attrName>
-                                        </p:attrNameLst>
-                                      </p:cBhvr>
-                                      <p:tavLst>
-                                        <p:tav tm="0">
-                                          <p:val>
-                                            <p:strVal val="#ppt_h"/>
-                                          </p:val>
-                                        </p:tav>
-                                        <p:tav tm="100000">
-                                          <p:val>
-                                            <p:strVal val="#ppt_h"/>
-                                          </p:val>
-                                        </p:tav>
-                                      </p:tavLst>
-                                    </p:anim>
-                                    <p:animEffect transition="in" filter="fade">
-                                      <p:cBhvr>
-                                        <p:cTn id="24" dur="1000"/>
-                                        <p:tgtEl>
-                                          <p:spTgt spid="15"/>
-                                        </p:tgtEl>
-                                      </p:cBhvr>
-                                    </p:animEffect>
-                                  </p:childTnLst>
-                                </p:cTn>
-                              </p:par>
                             </p:childTnLst>
                           </p:cTn>
                         </p:par>
@@ -7047,14 +7948,12 @@
     <p:bldLst>
       <p:bldP spid="17" grpId="0" bldLvl="0" animBg="1"/>
       <p:bldP spid="6" grpId="0" bldLvl="0" animBg="1"/>
-      <p:bldP spid="11" grpId="0" bldLvl="0" animBg="1"/>
-      <p:bldP spid="15" grpId="0" bldLvl="0" animBg="1"/>
     </p:bldLst>
   </p:timing>
 </p:sld>
 </file>
 
-<file path=ppt/slides/slide12.xml><?xml version="1.0" encoding="utf-8"?>
+<file path=ppt/slides/slide14.xml><?xml version="1.0" encoding="utf-8"?>
 <p:sld xmlns:a="http://schemas.openxmlformats.org/drawingml/2006/main" xmlns:r="http://schemas.openxmlformats.org/officeDocument/2006/relationships" xmlns:p="http://schemas.openxmlformats.org/presentationml/2006/main">
   <p:cSld>
     <p:spTree>
@@ -7448,948 +8347,6 @@
       </p:sp>
       <p:sp>
         <p:nvSpPr>
-          <p:cNvPr id="9" name="圆角矩形 8"/>
-          <p:cNvSpPr/>
-          <p:nvPr/>
-        </p:nvSpPr>
-        <p:spPr>
-          <a:xfrm>
-            <a:off x="372110" y="1894205"/>
-            <a:ext cx="11448415" cy="2549525"/>
-          </a:xfrm>
-          <a:prstGeom prst="roundRect">
-            <a:avLst/>
-          </a:prstGeom>
-          <a:solidFill>
-            <a:schemeClr val="bg1">
-              <a:lumMod val="95000"/>
-            </a:schemeClr>
-          </a:solidFill>
-          <a:ln w="28575" cmpd="sng">
-            <a:solidFill>
-              <a:srgbClr val="071651"/>
-            </a:solidFill>
-            <a:prstDash val="dash"/>
-          </a:ln>
-          <a:effectLst/>
-        </p:spPr>
-        <p:style>
-          <a:lnRef idx="2">
-            <a:schemeClr val="accent6"/>
-          </a:lnRef>
-          <a:fillRef idx="1">
-            <a:schemeClr val="lt1"/>
-          </a:fillRef>
-          <a:effectRef idx="0">
-            <a:schemeClr val="accent6"/>
-          </a:effectRef>
-          <a:fontRef idx="minor">
-            <a:schemeClr val="dk1"/>
-          </a:fontRef>
-        </p:style>
-        <p:txBody>
-          <a:bodyPr rtlCol="0" anchor="ctr"/>
-          <a:p>
-            <a:pPr indent="0">
-              <a:lnSpc>
-                <a:spcPct val="175000"/>
-              </a:lnSpc>
-              <a:spcBef>
-                <a:spcPts val="0"/>
-              </a:spcBef>
-              <a:spcAft>
-                <a:spcPts val="0"/>
-              </a:spcAft>
-              <a:buFont typeface="Wingdings" panose="05000000000000000000" charset="0"/>
-              <a:buNone/>
-            </a:pPr>
-            <a:r>
-              <a:rPr lang="zh-CN" altLang="en-US" sz="2000">
-                <a:sym typeface="+mn-ea"/>
-              </a:rPr>
-              <a:t>MIPS 中的异常是“精确异常”。对于实现 “精确异常” 的处理器，若有一条发生异常的指令，则在这条指令之前的指令都要正常执行，而这条指令之后的指令都将被取消。为了实现 “精确异常”，在流水线上执行的指令若发生了异常，并不会立即处理它，而是把它记录下来，送到一个指定的阶段统一处理。在我们的处理器中，每条指令发生的异常都会在 MEM 阶段统一处理。</a:t>
-            </a:r>
-            <a:endParaRPr lang="zh-CN" altLang="en-US" sz="2000">
-              <a:latin typeface="微软雅黑" panose="020B0503020204020204" pitchFamily="34" charset="-122"/>
-              <a:cs typeface="微软雅黑" panose="020B0503020204020204" pitchFamily="34" charset="-122"/>
-              <a:sym typeface="+mn-ea"/>
-            </a:endParaRPr>
-          </a:p>
-        </p:txBody>
-      </p:sp>
-    </p:spTree>
-  </p:cSld>
-  <p:clrMapOvr>
-    <a:masterClrMapping/>
-  </p:clrMapOvr>
-</p:sld>
-</file>
-
-<file path=ppt/slides/slide13.xml><?xml version="1.0" encoding="utf-8"?>
-<p:sld xmlns:a="http://schemas.openxmlformats.org/drawingml/2006/main" xmlns:r="http://schemas.openxmlformats.org/officeDocument/2006/relationships" xmlns:p="http://schemas.openxmlformats.org/presentationml/2006/main">
-  <p:cSld>
-    <p:spTree>
-      <p:nvGrpSpPr>
-        <p:cNvPr id="1" name=""/>
-        <p:cNvGrpSpPr/>
-        <p:nvPr/>
-      </p:nvGrpSpPr>
-      <p:grpSpPr/>
-      <p:sp>
-        <p:nvSpPr>
-          <p:cNvPr id="5" name="矩形 4"/>
-          <p:cNvSpPr/>
-          <p:nvPr/>
-        </p:nvSpPr>
-        <p:spPr>
-          <a:xfrm>
-            <a:off x="556895" y="1130179"/>
-            <a:ext cx="2916621" cy="45719"/>
-          </a:xfrm>
-          <a:prstGeom prst="rect">
-            <a:avLst/>
-          </a:prstGeom>
-          <a:solidFill>
-            <a:srgbClr val="0069B7"/>
-          </a:solidFill>
-          <a:ln>
-            <a:noFill/>
-          </a:ln>
-        </p:spPr>
-        <p:style>
-          <a:lnRef idx="2">
-            <a:schemeClr val="accent1">
-              <a:shade val="50000"/>
-            </a:schemeClr>
-          </a:lnRef>
-          <a:fillRef idx="1">
-            <a:schemeClr val="accent1"/>
-          </a:fillRef>
-          <a:effectRef idx="0">
-            <a:schemeClr val="accent1"/>
-          </a:effectRef>
-          <a:fontRef idx="minor">
-            <a:schemeClr val="lt1"/>
-          </a:fontRef>
-        </p:style>
-        <p:txBody>
-          <a:bodyPr rtlCol="0" anchor="ctr"/>
-          <a:p>
-            <a:pPr algn="ctr"/>
-            <a:endParaRPr lang="zh-CN" altLang="en-US"/>
-          </a:p>
-        </p:txBody>
-      </p:sp>
-      <p:sp>
-        <p:nvSpPr>
-          <p:cNvPr id="2" name="矩形 1"/>
-          <p:cNvSpPr/>
-          <p:nvPr/>
-        </p:nvSpPr>
-        <p:spPr>
-          <a:xfrm>
-            <a:off x="0" y="155115"/>
-            <a:ext cx="1655328" cy="257314"/>
-          </a:xfrm>
-          <a:prstGeom prst="rect">
-            <a:avLst/>
-          </a:prstGeom>
-          <a:solidFill>
-            <a:srgbClr val="0068B7"/>
-          </a:solidFill>
-          <a:ln>
-            <a:noFill/>
-          </a:ln>
-        </p:spPr>
-        <p:style>
-          <a:lnRef idx="2">
-            <a:srgbClr val="5B9BD5">
-              <a:shade val="50000"/>
-            </a:srgbClr>
-          </a:lnRef>
-          <a:fillRef idx="1">
-            <a:srgbClr val="5B9BD5"/>
-          </a:fillRef>
-          <a:effectRef idx="0">
-            <a:srgbClr val="5B9BD5"/>
-          </a:effectRef>
-          <a:fontRef idx="minor">
-            <a:sysClr val="window" lastClr="FFFFFF"/>
-          </a:fontRef>
-        </p:style>
-        <p:txBody>
-          <a:bodyPr rtlCol="0" anchor="ctr"/>
-          <a:p>
-            <a:pPr algn="ctr"/>
-            <a:endParaRPr lang="zh-CN" altLang="en-US"/>
-          </a:p>
-        </p:txBody>
-      </p:sp>
-      <p:sp>
-        <p:nvSpPr>
-          <p:cNvPr id="12" name="矩形 11"/>
-          <p:cNvSpPr/>
-          <p:nvPr/>
-        </p:nvSpPr>
-        <p:spPr>
-          <a:xfrm>
-            <a:off x="0" y="1614"/>
-            <a:ext cx="12192000" cy="164287"/>
-          </a:xfrm>
-          <a:prstGeom prst="rect">
-            <a:avLst/>
-          </a:prstGeom>
-          <a:solidFill>
-            <a:srgbClr val="0068B7"/>
-          </a:solidFill>
-          <a:ln>
-            <a:noFill/>
-          </a:ln>
-        </p:spPr>
-        <p:style>
-          <a:lnRef idx="2">
-            <a:srgbClr val="5B9BD5">
-              <a:shade val="50000"/>
-            </a:srgbClr>
-          </a:lnRef>
-          <a:fillRef idx="1">
-            <a:srgbClr val="5B9BD5"/>
-          </a:fillRef>
-          <a:effectRef idx="0">
-            <a:srgbClr val="5B9BD5"/>
-          </a:effectRef>
-          <a:fontRef idx="minor">
-            <a:sysClr val="window" lastClr="FFFFFF"/>
-          </a:fontRef>
-        </p:style>
-        <p:txBody>
-          <a:bodyPr rtlCol="0" anchor="ctr"/>
-          <a:p>
-            <a:pPr algn="ctr"/>
-            <a:endParaRPr lang="zh-CN" altLang="en-US"/>
-          </a:p>
-        </p:txBody>
-      </p:sp>
-      <p:sp>
-        <p:nvSpPr>
-          <p:cNvPr id="13" name="矩形 12"/>
-          <p:cNvSpPr/>
-          <p:nvPr/>
-        </p:nvSpPr>
-        <p:spPr>
-          <a:xfrm>
-            <a:off x="0" y="6697897"/>
-            <a:ext cx="12192000" cy="164287"/>
-          </a:xfrm>
-          <a:prstGeom prst="rect">
-            <a:avLst/>
-          </a:prstGeom>
-          <a:solidFill>
-            <a:srgbClr val="0068B7"/>
-          </a:solidFill>
-          <a:ln>
-            <a:noFill/>
-          </a:ln>
-        </p:spPr>
-        <p:style>
-          <a:lnRef idx="2">
-            <a:srgbClr val="5B9BD5">
-              <a:shade val="50000"/>
-            </a:srgbClr>
-          </a:lnRef>
-          <a:fillRef idx="1">
-            <a:srgbClr val="5B9BD5"/>
-          </a:fillRef>
-          <a:effectRef idx="0">
-            <a:srgbClr val="5B9BD5"/>
-          </a:effectRef>
-          <a:fontRef idx="minor">
-            <a:sysClr val="window" lastClr="FFFFFF"/>
-          </a:fontRef>
-        </p:style>
-        <p:txBody>
-          <a:bodyPr rtlCol="0" anchor="ctr"/>
-          <a:p>
-            <a:pPr algn="ctr"/>
-            <a:endParaRPr lang="zh-CN" altLang="en-US"/>
-          </a:p>
-        </p:txBody>
-      </p:sp>
-      <p:pic>
-        <p:nvPicPr>
-          <p:cNvPr id="3" name="图片 2" descr="天大智算logo组合"/>
-          <p:cNvPicPr>
-            <a:picLocks noChangeAspect="1"/>
-          </p:cNvPicPr>
-          <p:nvPr>
-            <p:custDataLst>
-              <p:tags r:id="rId1"/>
-            </p:custDataLst>
-          </p:nvPr>
-        </p:nvPicPr>
-        <p:blipFill>
-          <a:blip r:embed="rId2"/>
-          <a:stretch>
-            <a:fillRect/>
-          </a:stretch>
-        </p:blipFill>
-        <p:spPr>
-          <a:xfrm>
-            <a:off x="7817485" y="162560"/>
-            <a:ext cx="4425315" cy="797560"/>
-          </a:xfrm>
-          <a:prstGeom prst="rect">
-            <a:avLst/>
-          </a:prstGeom>
-        </p:spPr>
-      </p:pic>
-      <p:sp>
-        <p:nvSpPr>
-          <p:cNvPr id="10" name="文本框 6"/>
-          <p:cNvSpPr txBox="1">
-            <a:spLocks noChangeArrowheads="1"/>
-          </p:cNvSpPr>
-          <p:nvPr/>
-        </p:nvSpPr>
-        <p:spPr bwMode="auto">
-          <a:xfrm>
-            <a:off x="556895" y="608330"/>
-            <a:ext cx="7381240" cy="521970"/>
-          </a:xfrm>
-          <a:prstGeom prst="rect">
-            <a:avLst/>
-          </a:prstGeom>
-          <a:noFill/>
-          <a:ln>
-            <a:noFill/>
-          </a:ln>
-          <a:extLst>
-            <a:ext uri="{909E8E84-426E-40DD-AFC4-6F175D3DCCD1}">
-              <a14:hiddenFill xmlns:a14="http://schemas.microsoft.com/office/drawing/2010/main">
-                <a:solidFill>
-                  <a:srgbClr val="FFFFFF"/>
-                </a:solidFill>
-              </a14:hiddenFill>
-            </a:ext>
-            <a:ext uri="{91240B29-F687-4F45-9708-019B960494DF}">
-              <a14:hiddenLine xmlns:a14="http://schemas.microsoft.com/office/drawing/2010/main" w="9525">
-                <a:solidFill>
-                  <a:srgbClr val="000000"/>
-                </a:solidFill>
-                <a:miter lim="800000"/>
-                <a:headEnd/>
-                <a:tailEnd/>
-              </a14:hiddenLine>
-            </a:ext>
-          </a:extLst>
-        </p:spPr>
-        <p:txBody>
-          <a:bodyPr wrap="square">
-            <a:spAutoFit/>
-          </a:bodyPr>
-          <a:lstStyle>
-            <a:lvl1pPr>
-              <a:defRPr>
-                <a:solidFill>
-                  <a:schemeClr val="tx1"/>
-                </a:solidFill>
-                <a:latin typeface="Arial" panose="020B0604020202020204" pitchFamily="34" charset="0"/>
-                <a:ea typeface="宋体" panose="02010600030101010101" pitchFamily="2" charset="-122"/>
-              </a:defRPr>
-            </a:lvl1pPr>
-            <a:lvl2pPr marL="742950" indent="-285750">
-              <a:defRPr>
-                <a:solidFill>
-                  <a:schemeClr val="tx1"/>
-                </a:solidFill>
-                <a:latin typeface="Arial" panose="020B0604020202020204" pitchFamily="34" charset="0"/>
-                <a:ea typeface="宋体" panose="02010600030101010101" pitchFamily="2" charset="-122"/>
-              </a:defRPr>
-            </a:lvl2pPr>
-            <a:lvl3pPr marL="1143000" indent="-228600">
-              <a:defRPr>
-                <a:solidFill>
-                  <a:schemeClr val="tx1"/>
-                </a:solidFill>
-                <a:latin typeface="Arial" panose="020B0604020202020204" pitchFamily="34" charset="0"/>
-                <a:ea typeface="宋体" panose="02010600030101010101" pitchFamily="2" charset="-122"/>
-              </a:defRPr>
-            </a:lvl3pPr>
-            <a:lvl4pPr marL="1600200" indent="-228600">
-              <a:defRPr>
-                <a:solidFill>
-                  <a:schemeClr val="tx1"/>
-                </a:solidFill>
-                <a:latin typeface="Arial" panose="020B0604020202020204" pitchFamily="34" charset="0"/>
-                <a:ea typeface="宋体" panose="02010600030101010101" pitchFamily="2" charset="-122"/>
-              </a:defRPr>
-            </a:lvl4pPr>
-            <a:lvl5pPr marL="2057400" indent="-228600">
-              <a:defRPr>
-                <a:solidFill>
-                  <a:schemeClr val="tx1"/>
-                </a:solidFill>
-                <a:latin typeface="Arial" panose="020B0604020202020204" pitchFamily="34" charset="0"/>
-                <a:ea typeface="宋体" panose="02010600030101010101" pitchFamily="2" charset="-122"/>
-              </a:defRPr>
-            </a:lvl5pPr>
-            <a:lvl6pPr marL="2514600" indent="-228600" eaLnBrk="0" fontAlgn="base" hangingPunct="0">
-              <a:spcBef>
-                <a:spcPct val="0"/>
-              </a:spcBef>
-              <a:spcAft>
-                <a:spcPct val="0"/>
-              </a:spcAft>
-              <a:defRPr>
-                <a:solidFill>
-                  <a:schemeClr val="tx1"/>
-                </a:solidFill>
-                <a:latin typeface="Arial" panose="020B0604020202020204" pitchFamily="34" charset="0"/>
-                <a:ea typeface="宋体" panose="02010600030101010101" pitchFamily="2" charset="-122"/>
-              </a:defRPr>
-            </a:lvl6pPr>
-            <a:lvl7pPr marL="2971800" indent="-228600" eaLnBrk="0" fontAlgn="base" hangingPunct="0">
-              <a:spcBef>
-                <a:spcPct val="0"/>
-              </a:spcBef>
-              <a:spcAft>
-                <a:spcPct val="0"/>
-              </a:spcAft>
-              <a:defRPr>
-                <a:solidFill>
-                  <a:schemeClr val="tx1"/>
-                </a:solidFill>
-                <a:latin typeface="Arial" panose="020B0604020202020204" pitchFamily="34" charset="0"/>
-                <a:ea typeface="宋体" panose="02010600030101010101" pitchFamily="2" charset="-122"/>
-              </a:defRPr>
-            </a:lvl7pPr>
-            <a:lvl8pPr marL="3429000" indent="-228600" eaLnBrk="0" fontAlgn="base" hangingPunct="0">
-              <a:spcBef>
-                <a:spcPct val="0"/>
-              </a:spcBef>
-              <a:spcAft>
-                <a:spcPct val="0"/>
-              </a:spcAft>
-              <a:defRPr>
-                <a:solidFill>
-                  <a:schemeClr val="tx1"/>
-                </a:solidFill>
-                <a:latin typeface="Arial" panose="020B0604020202020204" pitchFamily="34" charset="0"/>
-                <a:ea typeface="宋体" panose="02010600030101010101" pitchFamily="2" charset="-122"/>
-              </a:defRPr>
-            </a:lvl8pPr>
-            <a:lvl9pPr marL="3886200" indent="-228600" eaLnBrk="0" fontAlgn="base" hangingPunct="0">
-              <a:spcBef>
-                <a:spcPct val="0"/>
-              </a:spcBef>
-              <a:spcAft>
-                <a:spcPct val="0"/>
-              </a:spcAft>
-              <a:defRPr>
-                <a:solidFill>
-                  <a:schemeClr val="tx1"/>
-                </a:solidFill>
-                <a:latin typeface="Arial" panose="020B0604020202020204" pitchFamily="34" charset="0"/>
-                <a:ea typeface="宋体" panose="02010600030101010101" pitchFamily="2" charset="-122"/>
-              </a:defRPr>
-            </a:lvl9pPr>
-          </a:lstStyle>
-          <a:p>
-            <a:r>
-              <a:rPr lang="zh-CN" altLang="en-US" sz="2800" b="1" dirty="0">
-                <a:solidFill>
-                  <a:srgbClr val="0068B8"/>
-                </a:solidFill>
-                <a:latin typeface="微软雅黑" panose="020B0503020204020204" pitchFamily="34" charset="-122"/>
-                <a:ea typeface="微软雅黑" panose="020B0503020204020204" pitchFamily="34" charset="-122"/>
-                <a:sym typeface="+mn-ea"/>
-              </a:rPr>
-              <a:t>异常处理</a:t>
-            </a:r>
-            <a:endParaRPr lang="zh-CN" altLang="en-US" sz="2800" b="1" dirty="0">
-              <a:solidFill>
-                <a:srgbClr val="0068B8"/>
-              </a:solidFill>
-              <a:latin typeface="微软雅黑" panose="020B0503020204020204" pitchFamily="34" charset="-122"/>
-              <a:ea typeface="微软雅黑" panose="020B0503020204020204" pitchFamily="34" charset="-122"/>
-              <a:sym typeface="+mn-ea"/>
-            </a:endParaRPr>
-          </a:p>
-        </p:txBody>
-      </p:sp>
-      <p:sp>
-        <p:nvSpPr>
-          <p:cNvPr id="9" name="圆角矩形 8"/>
-          <p:cNvSpPr/>
-          <p:nvPr/>
-        </p:nvSpPr>
-        <p:spPr>
-          <a:xfrm>
-            <a:off x="388620" y="1501140"/>
-            <a:ext cx="11415395" cy="4656455"/>
-          </a:xfrm>
-          <a:prstGeom prst="roundRect">
-            <a:avLst/>
-          </a:prstGeom>
-          <a:solidFill>
-            <a:schemeClr val="bg1">
-              <a:lumMod val="95000"/>
-            </a:schemeClr>
-          </a:solidFill>
-          <a:ln w="28575" cmpd="sng">
-            <a:solidFill>
-              <a:srgbClr val="071651"/>
-            </a:solidFill>
-            <a:prstDash val="dash"/>
-          </a:ln>
-          <a:effectLst/>
-        </p:spPr>
-        <p:style>
-          <a:lnRef idx="2">
-            <a:schemeClr val="accent6"/>
-          </a:lnRef>
-          <a:fillRef idx="1">
-            <a:schemeClr val="lt1"/>
-          </a:fillRef>
-          <a:effectRef idx="0">
-            <a:schemeClr val="accent6"/>
-          </a:effectRef>
-          <a:fontRef idx="minor">
-            <a:schemeClr val="dk1"/>
-          </a:fontRef>
-        </p:style>
-        <p:txBody>
-          <a:bodyPr rtlCol="0" anchor="ctr"/>
-          <a:p>
-            <a:pPr indent="0">
-              <a:lnSpc>
-                <a:spcPct val="175000"/>
-              </a:lnSpc>
-              <a:spcBef>
-                <a:spcPts val="0"/>
-              </a:spcBef>
-              <a:spcAft>
-                <a:spcPts val="0"/>
-              </a:spcAft>
-              <a:buFont typeface="Wingdings" panose="05000000000000000000" charset="0"/>
-              <a:buNone/>
-            </a:pPr>
-            <a:r>
-              <a:rPr lang="zh-CN" altLang="en-US" sz="2000">
-                <a:sym typeface="+mn-ea"/>
-              </a:rPr>
-              <a:t>访存阶段检测到异常后，将按照优先级顺序向 CP0 寄存器报告异常类型，并向流水线控制部件告知发生了异常。MEM 及前面流水段的指令将全部清除，异常基地址将被送入 PC 寄存器， Cause 寄存器记录异常编号以及是不是延迟槽指令发生异常，Status 寄存器的 EXL 位置1，表示进入异常处理阶段。这时，中断被屏蔽，即不会处理外部中断。对于地址错类型的一场，除了执行上述操作，还会将错误的地址写入 BadVAddr 寄存器。中断处理例程完成后，一般会执行异常返回指令。在我们的处理器中，异常返回被视为一种特殊的异常，处理机制类似于其他异常，只不过处理过程中送入 PC 寄存器的是 EPC 寄存器 的值，Status 寄存器的 EXL 位置0，表示异常处理完成，Status 寄存器的其他位以及其他 CP0 寄存器不会做任何修改。</a:t>
-            </a:r>
-            <a:endParaRPr lang="zh-CN" altLang="en-US" sz="2000">
-              <a:latin typeface="微软雅黑" panose="020B0503020204020204" pitchFamily="34" charset="-122"/>
-              <a:cs typeface="微软雅黑" panose="020B0503020204020204" pitchFamily="34" charset="-122"/>
-              <a:sym typeface="+mn-ea"/>
-            </a:endParaRPr>
-          </a:p>
-        </p:txBody>
-      </p:sp>
-    </p:spTree>
-  </p:cSld>
-  <p:clrMapOvr>
-    <a:masterClrMapping/>
-  </p:clrMapOvr>
-</p:sld>
-</file>
-
-<file path=ppt/slides/slide14.xml><?xml version="1.0" encoding="utf-8"?>
-<p:sld xmlns:a="http://schemas.openxmlformats.org/drawingml/2006/main" xmlns:r="http://schemas.openxmlformats.org/officeDocument/2006/relationships" xmlns:p="http://schemas.openxmlformats.org/presentationml/2006/main">
-  <p:cSld>
-    <p:spTree>
-      <p:nvGrpSpPr>
-        <p:cNvPr id="1" name=""/>
-        <p:cNvGrpSpPr/>
-        <p:nvPr/>
-      </p:nvGrpSpPr>
-      <p:grpSpPr/>
-      <p:sp>
-        <p:nvSpPr>
-          <p:cNvPr id="5" name="矩形 4"/>
-          <p:cNvSpPr/>
-          <p:nvPr/>
-        </p:nvSpPr>
-        <p:spPr>
-          <a:xfrm>
-            <a:off x="556895" y="1130179"/>
-            <a:ext cx="2916621" cy="45719"/>
-          </a:xfrm>
-          <a:prstGeom prst="rect">
-            <a:avLst/>
-          </a:prstGeom>
-          <a:solidFill>
-            <a:srgbClr val="0069B7"/>
-          </a:solidFill>
-          <a:ln>
-            <a:noFill/>
-          </a:ln>
-        </p:spPr>
-        <p:style>
-          <a:lnRef idx="2">
-            <a:schemeClr val="accent1">
-              <a:shade val="50000"/>
-            </a:schemeClr>
-          </a:lnRef>
-          <a:fillRef idx="1">
-            <a:schemeClr val="accent1"/>
-          </a:fillRef>
-          <a:effectRef idx="0">
-            <a:schemeClr val="accent1"/>
-          </a:effectRef>
-          <a:fontRef idx="minor">
-            <a:schemeClr val="lt1"/>
-          </a:fontRef>
-        </p:style>
-        <p:txBody>
-          <a:bodyPr rtlCol="0" anchor="ctr"/>
-          <a:p>
-            <a:pPr algn="ctr"/>
-            <a:endParaRPr lang="zh-CN" altLang="en-US"/>
-          </a:p>
-        </p:txBody>
-      </p:sp>
-      <p:sp>
-        <p:nvSpPr>
-          <p:cNvPr id="2" name="矩形 1"/>
-          <p:cNvSpPr/>
-          <p:nvPr/>
-        </p:nvSpPr>
-        <p:spPr>
-          <a:xfrm>
-            <a:off x="0" y="155115"/>
-            <a:ext cx="1655328" cy="257314"/>
-          </a:xfrm>
-          <a:prstGeom prst="rect">
-            <a:avLst/>
-          </a:prstGeom>
-          <a:solidFill>
-            <a:srgbClr val="0068B7"/>
-          </a:solidFill>
-          <a:ln>
-            <a:noFill/>
-          </a:ln>
-        </p:spPr>
-        <p:style>
-          <a:lnRef idx="2">
-            <a:srgbClr val="5B9BD5">
-              <a:shade val="50000"/>
-            </a:srgbClr>
-          </a:lnRef>
-          <a:fillRef idx="1">
-            <a:srgbClr val="5B9BD5"/>
-          </a:fillRef>
-          <a:effectRef idx="0">
-            <a:srgbClr val="5B9BD5"/>
-          </a:effectRef>
-          <a:fontRef idx="minor">
-            <a:sysClr val="window" lastClr="FFFFFF"/>
-          </a:fontRef>
-        </p:style>
-        <p:txBody>
-          <a:bodyPr rtlCol="0" anchor="ctr"/>
-          <a:p>
-            <a:pPr algn="ctr"/>
-            <a:endParaRPr lang="zh-CN" altLang="en-US"/>
-          </a:p>
-        </p:txBody>
-      </p:sp>
-      <p:sp>
-        <p:nvSpPr>
-          <p:cNvPr id="12" name="矩形 11"/>
-          <p:cNvSpPr/>
-          <p:nvPr/>
-        </p:nvSpPr>
-        <p:spPr>
-          <a:xfrm>
-            <a:off x="0" y="1614"/>
-            <a:ext cx="12192000" cy="164287"/>
-          </a:xfrm>
-          <a:prstGeom prst="rect">
-            <a:avLst/>
-          </a:prstGeom>
-          <a:solidFill>
-            <a:srgbClr val="0068B7"/>
-          </a:solidFill>
-          <a:ln>
-            <a:noFill/>
-          </a:ln>
-        </p:spPr>
-        <p:style>
-          <a:lnRef idx="2">
-            <a:srgbClr val="5B9BD5">
-              <a:shade val="50000"/>
-            </a:srgbClr>
-          </a:lnRef>
-          <a:fillRef idx="1">
-            <a:srgbClr val="5B9BD5"/>
-          </a:fillRef>
-          <a:effectRef idx="0">
-            <a:srgbClr val="5B9BD5"/>
-          </a:effectRef>
-          <a:fontRef idx="minor">
-            <a:sysClr val="window" lastClr="FFFFFF"/>
-          </a:fontRef>
-        </p:style>
-        <p:txBody>
-          <a:bodyPr rtlCol="0" anchor="ctr"/>
-          <a:p>
-            <a:pPr algn="ctr"/>
-            <a:endParaRPr lang="zh-CN" altLang="en-US"/>
-          </a:p>
-        </p:txBody>
-      </p:sp>
-      <p:sp>
-        <p:nvSpPr>
-          <p:cNvPr id="13" name="矩形 12"/>
-          <p:cNvSpPr/>
-          <p:nvPr/>
-        </p:nvSpPr>
-        <p:spPr>
-          <a:xfrm>
-            <a:off x="0" y="6697897"/>
-            <a:ext cx="12192000" cy="164287"/>
-          </a:xfrm>
-          <a:prstGeom prst="rect">
-            <a:avLst/>
-          </a:prstGeom>
-          <a:solidFill>
-            <a:srgbClr val="0068B7"/>
-          </a:solidFill>
-          <a:ln>
-            <a:noFill/>
-          </a:ln>
-        </p:spPr>
-        <p:style>
-          <a:lnRef idx="2">
-            <a:srgbClr val="5B9BD5">
-              <a:shade val="50000"/>
-            </a:srgbClr>
-          </a:lnRef>
-          <a:fillRef idx="1">
-            <a:srgbClr val="5B9BD5"/>
-          </a:fillRef>
-          <a:effectRef idx="0">
-            <a:srgbClr val="5B9BD5"/>
-          </a:effectRef>
-          <a:fontRef idx="minor">
-            <a:sysClr val="window" lastClr="FFFFFF"/>
-          </a:fontRef>
-        </p:style>
-        <p:txBody>
-          <a:bodyPr rtlCol="0" anchor="ctr"/>
-          <a:p>
-            <a:pPr algn="ctr"/>
-            <a:endParaRPr lang="zh-CN" altLang="en-US"/>
-          </a:p>
-        </p:txBody>
-      </p:sp>
-      <p:pic>
-        <p:nvPicPr>
-          <p:cNvPr id="3" name="图片 2" descr="天大智算logo组合"/>
-          <p:cNvPicPr>
-            <a:picLocks noChangeAspect="1"/>
-          </p:cNvPicPr>
-          <p:nvPr>
-            <p:custDataLst>
-              <p:tags r:id="rId1"/>
-            </p:custDataLst>
-          </p:nvPr>
-        </p:nvPicPr>
-        <p:blipFill>
-          <a:blip r:embed="rId2"/>
-          <a:stretch>
-            <a:fillRect/>
-          </a:stretch>
-        </p:blipFill>
-        <p:spPr>
-          <a:xfrm>
-            <a:off x="7817485" y="162560"/>
-            <a:ext cx="4425315" cy="797560"/>
-          </a:xfrm>
-          <a:prstGeom prst="rect">
-            <a:avLst/>
-          </a:prstGeom>
-        </p:spPr>
-      </p:pic>
-      <p:sp>
-        <p:nvSpPr>
-          <p:cNvPr id="10" name="文本框 6"/>
-          <p:cNvSpPr txBox="1">
-            <a:spLocks noChangeArrowheads="1"/>
-          </p:cNvSpPr>
-          <p:nvPr/>
-        </p:nvSpPr>
-        <p:spPr bwMode="auto">
-          <a:xfrm>
-            <a:off x="561975" y="608330"/>
-            <a:ext cx="7381240" cy="521970"/>
-          </a:xfrm>
-          <a:prstGeom prst="rect">
-            <a:avLst/>
-          </a:prstGeom>
-          <a:noFill/>
-          <a:ln>
-            <a:noFill/>
-          </a:ln>
-          <a:extLst>
-            <a:ext uri="{909E8E84-426E-40DD-AFC4-6F175D3DCCD1}">
-              <a14:hiddenFill xmlns:a14="http://schemas.microsoft.com/office/drawing/2010/main">
-                <a:solidFill>
-                  <a:srgbClr val="FFFFFF"/>
-                </a:solidFill>
-              </a14:hiddenFill>
-            </a:ext>
-            <a:ext uri="{91240B29-F687-4F45-9708-019B960494DF}">
-              <a14:hiddenLine xmlns:a14="http://schemas.microsoft.com/office/drawing/2010/main" w="9525">
-                <a:solidFill>
-                  <a:srgbClr val="000000"/>
-                </a:solidFill>
-                <a:miter lim="800000"/>
-                <a:headEnd/>
-                <a:tailEnd/>
-              </a14:hiddenLine>
-            </a:ext>
-          </a:extLst>
-        </p:spPr>
-        <p:txBody>
-          <a:bodyPr wrap="square">
-            <a:spAutoFit/>
-          </a:bodyPr>
-          <a:lstStyle>
-            <a:lvl1pPr>
-              <a:defRPr>
-                <a:solidFill>
-                  <a:schemeClr val="tx1"/>
-                </a:solidFill>
-                <a:latin typeface="Arial" panose="020B0604020202020204" pitchFamily="34" charset="0"/>
-                <a:ea typeface="宋体" panose="02010600030101010101" pitchFamily="2" charset="-122"/>
-              </a:defRPr>
-            </a:lvl1pPr>
-            <a:lvl2pPr marL="742950" indent="-285750">
-              <a:defRPr>
-                <a:solidFill>
-                  <a:schemeClr val="tx1"/>
-                </a:solidFill>
-                <a:latin typeface="Arial" panose="020B0604020202020204" pitchFamily="34" charset="0"/>
-                <a:ea typeface="宋体" panose="02010600030101010101" pitchFamily="2" charset="-122"/>
-              </a:defRPr>
-            </a:lvl2pPr>
-            <a:lvl3pPr marL="1143000" indent="-228600">
-              <a:defRPr>
-                <a:solidFill>
-                  <a:schemeClr val="tx1"/>
-                </a:solidFill>
-                <a:latin typeface="Arial" panose="020B0604020202020204" pitchFamily="34" charset="0"/>
-                <a:ea typeface="宋体" panose="02010600030101010101" pitchFamily="2" charset="-122"/>
-              </a:defRPr>
-            </a:lvl3pPr>
-            <a:lvl4pPr marL="1600200" indent="-228600">
-              <a:defRPr>
-                <a:solidFill>
-                  <a:schemeClr val="tx1"/>
-                </a:solidFill>
-                <a:latin typeface="Arial" panose="020B0604020202020204" pitchFamily="34" charset="0"/>
-                <a:ea typeface="宋体" panose="02010600030101010101" pitchFamily="2" charset="-122"/>
-              </a:defRPr>
-            </a:lvl4pPr>
-            <a:lvl5pPr marL="2057400" indent="-228600">
-              <a:defRPr>
-                <a:solidFill>
-                  <a:schemeClr val="tx1"/>
-                </a:solidFill>
-                <a:latin typeface="Arial" panose="020B0604020202020204" pitchFamily="34" charset="0"/>
-                <a:ea typeface="宋体" panose="02010600030101010101" pitchFamily="2" charset="-122"/>
-              </a:defRPr>
-            </a:lvl5pPr>
-            <a:lvl6pPr marL="2514600" indent="-228600" eaLnBrk="0" fontAlgn="base" hangingPunct="0">
-              <a:spcBef>
-                <a:spcPct val="0"/>
-              </a:spcBef>
-              <a:spcAft>
-                <a:spcPct val="0"/>
-              </a:spcAft>
-              <a:defRPr>
-                <a:solidFill>
-                  <a:schemeClr val="tx1"/>
-                </a:solidFill>
-                <a:latin typeface="Arial" panose="020B0604020202020204" pitchFamily="34" charset="0"/>
-                <a:ea typeface="宋体" panose="02010600030101010101" pitchFamily="2" charset="-122"/>
-              </a:defRPr>
-            </a:lvl6pPr>
-            <a:lvl7pPr marL="2971800" indent="-228600" eaLnBrk="0" fontAlgn="base" hangingPunct="0">
-              <a:spcBef>
-                <a:spcPct val="0"/>
-              </a:spcBef>
-              <a:spcAft>
-                <a:spcPct val="0"/>
-              </a:spcAft>
-              <a:defRPr>
-                <a:solidFill>
-                  <a:schemeClr val="tx1"/>
-                </a:solidFill>
-                <a:latin typeface="Arial" panose="020B0604020202020204" pitchFamily="34" charset="0"/>
-                <a:ea typeface="宋体" panose="02010600030101010101" pitchFamily="2" charset="-122"/>
-              </a:defRPr>
-            </a:lvl7pPr>
-            <a:lvl8pPr marL="3429000" indent="-228600" eaLnBrk="0" fontAlgn="base" hangingPunct="0">
-              <a:spcBef>
-                <a:spcPct val="0"/>
-              </a:spcBef>
-              <a:spcAft>
-                <a:spcPct val="0"/>
-              </a:spcAft>
-              <a:defRPr>
-                <a:solidFill>
-                  <a:schemeClr val="tx1"/>
-                </a:solidFill>
-                <a:latin typeface="Arial" panose="020B0604020202020204" pitchFamily="34" charset="0"/>
-                <a:ea typeface="宋体" panose="02010600030101010101" pitchFamily="2" charset="-122"/>
-              </a:defRPr>
-            </a:lvl8pPr>
-            <a:lvl9pPr marL="3886200" indent="-228600" eaLnBrk="0" fontAlgn="base" hangingPunct="0">
-              <a:spcBef>
-                <a:spcPct val="0"/>
-              </a:spcBef>
-              <a:spcAft>
-                <a:spcPct val="0"/>
-              </a:spcAft>
-              <a:defRPr>
-                <a:solidFill>
-                  <a:schemeClr val="tx1"/>
-                </a:solidFill>
-                <a:latin typeface="Arial" panose="020B0604020202020204" pitchFamily="34" charset="0"/>
-                <a:ea typeface="宋体" panose="02010600030101010101" pitchFamily="2" charset="-122"/>
-              </a:defRPr>
-            </a:lvl9pPr>
-          </a:lstStyle>
-          <a:p>
-            <a:r>
-              <a:rPr lang="zh-CN" altLang="en-US" sz="2800" b="1" dirty="0">
-                <a:solidFill>
-                  <a:srgbClr val="0068B8"/>
-                </a:solidFill>
-                <a:latin typeface="微软雅黑" panose="020B0503020204020204" pitchFamily="34" charset="-122"/>
-                <a:ea typeface="微软雅黑" panose="020B0503020204020204" pitchFamily="34" charset="-122"/>
-                <a:sym typeface="+mn-ea"/>
-              </a:rPr>
-              <a:t>异常处理</a:t>
-            </a:r>
-            <a:endParaRPr lang="zh-CN" altLang="en-US" sz="2800" b="1" dirty="0">
-              <a:solidFill>
-                <a:srgbClr val="0068B8"/>
-              </a:solidFill>
-              <a:latin typeface="微软雅黑" panose="020B0503020204020204" pitchFamily="34" charset="-122"/>
-              <a:ea typeface="微软雅黑" panose="020B0503020204020204" pitchFamily="34" charset="-122"/>
-              <a:sym typeface="+mn-ea"/>
-            </a:endParaRPr>
-          </a:p>
-        </p:txBody>
-      </p:sp>
-      <p:sp>
-        <p:nvSpPr>
           <p:cNvPr id="9" name="文本框 8"/>
           <p:cNvSpPr txBox="1"/>
           <p:nvPr/>
@@ -8421,7 +8378,7 @@
                 <a:ea typeface="微软雅黑" panose="020B0503020204020204" pitchFamily="34" charset="-122"/>
                 <a:sym typeface="+mn-ea"/>
               </a:rPr>
-              <a:t>我们处理器支持的异常处理</a:t>
+              <a:t>处理器支持的异常处理</a:t>
             </a:r>
             <a:endParaRPr lang="zh-CN" altLang="en-US" sz="2400" b="1" dirty="0">
               <a:solidFill>
@@ -8898,7 +8855,7 @@
                 <a:ea typeface="微软雅黑" panose="020B0503020204020204" pitchFamily="34" charset="-122"/>
                 <a:sym typeface="+mn-ea"/>
               </a:rPr>
-              <a:t>我们处理器实现的 CP0 寄存器</a:t>
+              <a:t>处理器实现的 CP0 寄存器</a:t>
             </a:r>
             <a:endParaRPr lang="zh-CN" altLang="en-US" sz="2400" b="1" dirty="0">
               <a:solidFill>
@@ -11629,30 +11586,6 @@
           </a:p>
         </p:txBody>
       </p:sp>
-      <p:pic>
-        <p:nvPicPr>
-          <p:cNvPr id="11" name="图片 10"/>
-          <p:cNvPicPr>
-            <a:picLocks noChangeAspect="1"/>
-          </p:cNvPicPr>
-          <p:nvPr/>
-        </p:nvPicPr>
-        <p:blipFill>
-          <a:blip r:embed="rId3"/>
-          <a:stretch>
-            <a:fillRect/>
-          </a:stretch>
-        </p:blipFill>
-        <p:spPr>
-          <a:xfrm>
-            <a:off x="1655445" y="1333500"/>
-            <a:ext cx="8995410" cy="5206365"/>
-          </a:xfrm>
-          <a:prstGeom prst="rect">
-            <a:avLst/>
-          </a:prstGeom>
-        </p:spPr>
-      </p:pic>
       <p:grpSp>
         <p:nvGrpSpPr>
           <p:cNvPr id="8" name="组合 7"/>
@@ -11661,7 +11594,7 @@
         </p:nvGrpSpPr>
         <p:grpSpPr>
           <a:xfrm>
-            <a:off x="897890" y="1177925"/>
+            <a:off x="910590" y="1188085"/>
             <a:ext cx="10445115" cy="5459095"/>
             <a:chOff x="1392" y="1912"/>
             <a:chExt cx="16449" cy="8597"/>
@@ -11676,7 +11609,7 @@
             <p:nvPr/>
           </p:nvPicPr>
           <p:blipFill>
-            <a:blip r:embed="rId4"/>
+            <a:blip r:embed="rId3"/>
             <a:srcRect t="11301" b="10037"/>
             <a:stretch>
               <a:fillRect/>
@@ -11701,7 +11634,7 @@
             <p:nvPr/>
           </p:nvPicPr>
           <p:blipFill>
-            <a:blip r:embed="rId5"/>
+            <a:blip r:embed="rId4"/>
             <a:stretch>
               <a:fillRect/>
             </a:stretch>
@@ -14609,37 +14542,6 @@
           </a:p>
         </p:txBody>
       </p:sp>
-      <p:pic>
-        <p:nvPicPr>
-          <p:cNvPr id="9" name="图片 8"/>
-          <p:cNvPicPr>
-            <a:picLocks noChangeAspect="1"/>
-          </p:cNvPicPr>
-          <p:nvPr/>
-        </p:nvPicPr>
-        <p:blipFill rotWithShape="1">
-          <a:blip r:embed="rId1" cstate="print">
-            <a:extLst>
-              <a:ext uri="{28A0092B-C50C-407E-A947-70E740481C1C}">
-                <a14:useLocalDpi xmlns:a14="http://schemas.microsoft.com/office/drawing/2010/main" val="0"/>
-              </a:ext>
-            </a:extLst>
-          </a:blip>
-          <a:srcRect l="17265" t="9160" r="23350"/>
-          <a:stretch>
-            <a:fillRect/>
-          </a:stretch>
-        </p:blipFill>
-        <p:spPr>
-          <a:xfrm>
-            <a:off x="8821420" y="81217"/>
-            <a:ext cx="3421380" cy="6720450"/>
-          </a:xfrm>
-          <a:prstGeom prst="rect">
-            <a:avLst/>
-          </a:prstGeom>
-        </p:spPr>
-      </p:pic>
       <p:sp>
         <p:nvSpPr>
           <p:cNvPr id="12" name="矩形 11"/>
@@ -14741,7 +14643,7 @@
         <p:spPr>
           <a:xfrm>
             <a:off x="588645" y="1864995"/>
-            <a:ext cx="9234805" cy="1198880"/>
+            <a:ext cx="11136630" cy="1198880"/>
           </a:xfrm>
           <a:prstGeom prst="rect">
             <a:avLst/>
@@ -14818,55 +14720,11 @@
                 <a:ea typeface="华文中宋" panose="02010600040101010101" pitchFamily="2" charset="-122"/>
                 <a:cs typeface="Times New Roman" panose="02020603050405020304" pitchFamily="18" charset="0"/>
               </a:rPr>
-              <a:t>2021.12.24</a:t>
+              <a:t>2021.12.23</a:t>
             </a:r>
             <a:endParaRPr lang="en-US" altLang="zh-CN" sz="2400" b="1" dirty="0" smtClean="0">
               <a:latin typeface="华文中宋" panose="02010600040101010101" pitchFamily="2" charset="-122"/>
               <a:ea typeface="华文中宋" panose="02010600040101010101" pitchFamily="2" charset="-122"/>
-              <a:cs typeface="Times New Roman" panose="02020603050405020304" pitchFamily="18" charset="0"/>
-            </a:endParaRPr>
-          </a:p>
-        </p:txBody>
-      </p:sp>
-      <p:sp>
-        <p:nvSpPr>
-          <p:cNvPr id="28" name="文本框 27"/>
-          <p:cNvSpPr txBox="1"/>
-          <p:nvPr/>
-        </p:nvSpPr>
-        <p:spPr>
-          <a:xfrm>
-            <a:off x="9053195" y="274320"/>
-            <a:ext cx="3138805" cy="521970"/>
-          </a:xfrm>
-          <a:prstGeom prst="rect">
-            <a:avLst/>
-          </a:prstGeom>
-          <a:noFill/>
-        </p:spPr>
-        <p:txBody>
-          <a:bodyPr wrap="square" rtlCol="0">
-            <a:spAutoFit/>
-          </a:bodyPr>
-          <a:p>
-            <a:pPr algn="l"/>
-            <a:r>
-              <a:rPr lang="zh-CN" altLang="en-US" sz="2800" dirty="0" smtClean="0">
-                <a:solidFill>
-                  <a:srgbClr val="0069B7"/>
-                </a:solidFill>
-                <a:latin typeface="华光行楷_CNKI" panose="02000500000000000000" charset="-122"/>
-                <a:ea typeface="华光行楷_CNKI" panose="02000500000000000000" charset="-122"/>
-                <a:cs typeface="Times New Roman" panose="02020603050405020304" pitchFamily="18" charset="0"/>
-              </a:rPr>
-              <a:t>院级大创中期检查</a:t>
-            </a:r>
-            <a:endParaRPr lang="zh-CN" altLang="en-US" sz="2800" dirty="0" smtClean="0">
-              <a:solidFill>
-                <a:srgbClr val="0069B7"/>
-              </a:solidFill>
-              <a:latin typeface="华光行楷_CNKI" panose="02000500000000000000" charset="-122"/>
-              <a:ea typeface="华光行楷_CNKI" panose="02000500000000000000" charset="-122"/>
               <a:cs typeface="Times New Roman" panose="02020603050405020304" pitchFamily="18" charset="0"/>
             </a:endParaRPr>
           </a:p>
@@ -14881,7 +14739,7 @@
           <p:nvPr>
             <p:ph type="subTitle" idx="1"/>
             <p:custDataLst>
-              <p:tags r:id="rId2"/>
+              <p:tags r:id="rId1"/>
             </p:custDataLst>
           </p:nvPr>
         </p:nvSpPr>
@@ -15002,9 +14860,37 @@
           </a:p>
         </p:txBody>
       </p:sp>
+      <p:pic>
+        <p:nvPicPr>
+          <p:cNvPr id="2" name="图片 1" descr="天大智算logo组合"/>
+          <p:cNvPicPr>
+            <a:picLocks noChangeAspect="1"/>
+          </p:cNvPicPr>
+          <p:nvPr>
+            <p:custDataLst>
+              <p:tags r:id="rId2"/>
+            </p:custDataLst>
+          </p:nvPr>
+        </p:nvPicPr>
+        <p:blipFill>
+          <a:blip r:embed="rId3"/>
+          <a:stretch>
+            <a:fillRect/>
+          </a:stretch>
+        </p:blipFill>
+        <p:spPr>
+          <a:xfrm>
+            <a:off x="7817485" y="162560"/>
+            <a:ext cx="4425315" cy="797560"/>
+          </a:xfrm>
+          <a:prstGeom prst="rect">
+            <a:avLst/>
+          </a:prstGeom>
+        </p:spPr>
+      </p:pic>
     </p:spTree>
     <p:custDataLst>
-      <p:tags r:id="rId3"/>
+      <p:tags r:id="rId4"/>
     </p:custDataLst>
   </p:cSld>
   <p:clrMapOvr>
@@ -20505,7 +20391,7 @@
       </p:sp>
       <p:pic>
         <p:nvPicPr>
-          <p:cNvPr id="8" name="ECB019B1-382A-4266-B25C-5B523AA43C14-1" descr="C:/Users/14334/AppData/Local/Temp/wpp.RhDhSxwpp"/>
+          <p:cNvPr id="8" name="ECB019B1-382A-4266-B25C-5B523AA43C14-1" descr="C:/Users/14334/AppData/Local/Temp/wpp.OfTxeMwpp"/>
           <p:cNvPicPr>
             <a:picLocks noChangeAspect="1"/>
           </p:cNvPicPr>
@@ -20519,8 +20405,8 @@
         </p:blipFill>
         <p:spPr>
           <a:xfrm>
-            <a:off x="1011555" y="1573213"/>
-            <a:ext cx="10049510" cy="3464560"/>
+            <a:off x="1012190" y="1573213"/>
+            <a:ext cx="10048240" cy="3464560"/>
           </a:xfrm>
           <a:prstGeom prst="rect">
             <a:avLst/>
@@ -21492,6 +21378,12 @@
 
 <file path=ppt/tags/tag81.xml><?xml version="1.0" encoding="utf-8"?>
 <p:tagLst xmlns:p="http://schemas.openxmlformats.org/presentationml/2006/main">
+  <p:tag name="KSO_WM_UNIT_PLACING_PICTURE_USER_VIEWPORT" val="{&quot;height&quot;:3460,&quot;width&quot;:19200}"/>
+</p:tagLst>
+</file>
+
+<file path=ppt/tags/tag82.xml><?xml version="1.0" encoding="utf-8"?>
+<p:tagLst xmlns:p="http://schemas.openxmlformats.org/presentationml/2006/main">
   <p:tag name="KSO_WM_SLIDE_ID" val="custom20205081_1"/>
   <p:tag name="KSO_WM_TEMPLATE_SUBCATEGORY" val="19"/>
   <p:tag name="KSO_WM_TEMPLATE_MASTER_TYPE" val="0"/>
@@ -21992,7 +21884,7 @@
 </s:customData>
 </file>
 
-<file path=customXml/itemProps82.xml><?xml version="1.0" encoding="utf-8"?>
+<file path=customXml/itemProps83.xml><?xml version="1.0" encoding="utf-8"?>
 <ds:datastoreItem xmlns:ds="http://schemas.openxmlformats.org/officeDocument/2006/customXml" ds:itemID="s:customData">
   <ds:schemaRefs>
     <ds:schemaRef ds:uri="http://www.wps.cn/officeDocument/2013/wpsCustomData"/>
